--- a/iOS行動程式基礎開發上架20堂課/第14堂課儲存格的刪除和自訂功能按鈕/swift-可nil實體串接.pptx
+++ b/iOS行動程式基礎開發上架20堂課/第14堂課儲存格的刪除和自訂功能按鈕/swift-可nil實體串接.pptx
@@ -32856,7 +32856,7 @@
         <p:spPr>
           <a:xfrm>
             <a:off x="635102" y="1538317"/>
-            <a:ext cx="5997679" cy="878841"/>
+            <a:ext cx="5349773" cy="1157366"/>
           </a:xfrm>
           <a:prstGeom prst="rect">
             <a:avLst/>
@@ -32876,9 +32876,9 @@
           </a:bodyPr>
           <a:lstStyle/>
           <a:p>
-            <a:pPr marL="457200" indent="-317500" defTabSz="457200">
+            <a:pPr marL="527755" indent="-388055" defTabSz="457200">
               <a:lnSpc>
-                <a:spcPts val="2300"/>
+                <a:spcPts val="1700"/>
               </a:lnSpc>
               <a:spcBef>
                 <a:spcPts val="0"/>
@@ -32889,14 +32889,14 @@
               <a:buSzPct val="100000"/>
               <a:buFont typeface="Menlo"/>
               <a:buChar char="•"/>
-              <a:defRPr b="0" sz="900">
-                <a:solidFill>
-                  <a:srgbClr val="3F6E74"/>
-                </a:solidFill>
-                <a:latin typeface="Menlo"/>
-                <a:ea typeface="Menlo"/>
-                <a:cs typeface="Menlo"/>
-                <a:sym typeface="Menlo"/>
+              <a:defRPr b="0" sz="1100">
+                <a:solidFill>
+                  <a:srgbClr val="5C2699"/>
+                </a:solidFill>
+                <a:latin typeface="Arial"/>
+                <a:ea typeface="Arial"/>
+                <a:cs typeface="Arial"/>
+                <a:sym typeface="Arial"/>
               </a:defRPr>
             </a:pPr>
             <a:r>
@@ -33061,9 +33061,9 @@
             </a:endParaRPr>
           </a:p>
           <a:p>
-            <a:pPr marL="457200" indent="-317500" defTabSz="457200">
+            <a:pPr marL="527755" indent="-388055" defTabSz="457200">
               <a:lnSpc>
-                <a:spcPts val="2300"/>
+                <a:spcPts val="1700"/>
               </a:lnSpc>
               <a:spcBef>
                 <a:spcPts val="0"/>
@@ -33074,14 +33074,14 @@
               <a:buSzPct val="100000"/>
               <a:buFont typeface="Menlo"/>
               <a:buChar char="•"/>
-              <a:defRPr b="0" sz="900">
-                <a:solidFill>
-                  <a:srgbClr val="3F6E74"/>
-                </a:solidFill>
-                <a:latin typeface="Menlo"/>
-                <a:ea typeface="Menlo"/>
-                <a:cs typeface="Menlo"/>
-                <a:sym typeface="Menlo"/>
+              <a:defRPr b="0" sz="1100">
+                <a:solidFill>
+                  <a:srgbClr val="5C2699"/>
+                </a:solidFill>
+                <a:latin typeface="Arial"/>
+                <a:ea typeface="Arial"/>
+                <a:cs typeface="Arial"/>
+                <a:sym typeface="Arial"/>
               </a:defRPr>
             </a:pPr>
             <a:r>
@@ -33142,9 +33142,9 @@
             </a:endParaRPr>
           </a:p>
           <a:p>
-            <a:pPr marL="457200" indent="-317500" defTabSz="457200">
+            <a:pPr marL="527755" indent="-388055" defTabSz="457200">
               <a:lnSpc>
-                <a:spcPts val="2300"/>
+                <a:spcPts val="1700"/>
               </a:lnSpc>
               <a:spcBef>
                 <a:spcPts val="0"/>
@@ -33155,14 +33155,14 @@
               <a:buSzPct val="100000"/>
               <a:buFont typeface="Menlo"/>
               <a:buChar char="•"/>
-              <a:defRPr b="0" sz="900">
-                <a:solidFill>
-                  <a:srgbClr val="3F6E74"/>
-                </a:solidFill>
-                <a:latin typeface="Menlo"/>
-                <a:ea typeface="Menlo"/>
-                <a:cs typeface="Menlo"/>
-                <a:sym typeface="Menlo"/>
+              <a:defRPr b="0" sz="1100">
+                <a:solidFill>
+                  <a:srgbClr val="5C2699"/>
+                </a:solidFill>
+                <a:latin typeface="Arial"/>
+                <a:ea typeface="Arial"/>
+                <a:cs typeface="Arial"/>
+                <a:sym typeface="Arial"/>
               </a:defRPr>
             </a:pPr>
             <a:r>
@@ -33223,9 +33223,9 @@
             </a:endParaRPr>
           </a:p>
           <a:p>
-            <a:pPr marL="457200" indent="-317500" defTabSz="457200">
+            <a:pPr marL="527755" indent="-388055" defTabSz="457200">
               <a:lnSpc>
-                <a:spcPts val="2300"/>
+                <a:spcPts val="1700"/>
               </a:lnSpc>
               <a:spcBef>
                 <a:spcPts val="0"/>
@@ -33236,14 +33236,14 @@
               <a:buSzPct val="100000"/>
               <a:buFont typeface="Menlo"/>
               <a:buChar char="•"/>
-              <a:defRPr b="0" sz="900">
-                <a:solidFill>
-                  <a:srgbClr val="3F6E74"/>
-                </a:solidFill>
-                <a:latin typeface="Menlo"/>
-                <a:ea typeface="Menlo"/>
-                <a:cs typeface="Menlo"/>
-                <a:sym typeface="Menlo"/>
+              <a:defRPr b="0" sz="1100">
+                <a:solidFill>
+                  <a:srgbClr val="5C2699"/>
+                </a:solidFill>
+                <a:latin typeface="Arial"/>
+                <a:ea typeface="Arial"/>
+                <a:cs typeface="Arial"/>
+                <a:sym typeface="Arial"/>
               </a:defRPr>
             </a:pPr>
             <a:r>
@@ -33304,9 +33304,9 @@
             </a:endParaRPr>
           </a:p>
           <a:p>
-            <a:pPr marL="457200" indent="-317500" defTabSz="457200">
+            <a:pPr marL="527755" indent="-388055" defTabSz="457200">
               <a:lnSpc>
-                <a:spcPts val="2300"/>
+                <a:spcPts val="1700"/>
               </a:lnSpc>
               <a:spcBef>
                 <a:spcPts val="0"/>
@@ -33317,14 +33317,14 @@
               <a:buSzPct val="100000"/>
               <a:buFont typeface="Menlo"/>
               <a:buChar char="•"/>
-              <a:defRPr b="0" sz="900">
-                <a:solidFill>
-                  <a:srgbClr val="007400"/>
-                </a:solidFill>
-                <a:latin typeface="Menlo"/>
-                <a:ea typeface="Menlo"/>
-                <a:cs typeface="Menlo"/>
-                <a:sym typeface="Menlo"/>
+              <a:defRPr b="0" sz="1100">
+                <a:solidFill>
+                  <a:srgbClr val="5C2699"/>
+                </a:solidFill>
+                <a:latin typeface="Arial"/>
+                <a:ea typeface="Arial"/>
+                <a:cs typeface="Arial"/>
+                <a:sym typeface="Arial"/>
               </a:defRPr>
             </a:pPr>
             <a:r>
@@ -33513,7 +33513,7 @@
         <p:spPr>
           <a:xfrm>
             <a:off x="635102" y="1184658"/>
-            <a:ext cx="4346134" cy="1209041"/>
+            <a:ext cx="3905161" cy="1589166"/>
           </a:xfrm>
           <a:prstGeom prst="rect">
             <a:avLst/>
@@ -33533,9 +33533,9 @@
           </a:bodyPr>
           <a:lstStyle/>
           <a:p>
-            <a:pPr marL="457200" indent="-317500" defTabSz="457200">
+            <a:pPr marL="527755" indent="-388055" defTabSz="457200">
               <a:lnSpc>
-                <a:spcPts val="2300"/>
+                <a:spcPts val="1700"/>
               </a:lnSpc>
               <a:spcBef>
                 <a:spcPts val="0"/>
@@ -33546,14 +33546,14 @@
               <a:buSzPct val="100000"/>
               <a:buFont typeface="Menlo"/>
               <a:buChar char="•"/>
-              <a:defRPr b="0" sz="900">
-                <a:solidFill>
-                  <a:srgbClr val="3F6E74"/>
-                </a:solidFill>
-                <a:latin typeface="Menlo"/>
-                <a:ea typeface="Menlo"/>
-                <a:cs typeface="Menlo"/>
-                <a:sym typeface="Menlo"/>
+              <a:defRPr b="0" sz="1100">
+                <a:solidFill>
+                  <a:srgbClr val="5C2699"/>
+                </a:solidFill>
+                <a:latin typeface="Arial"/>
+                <a:ea typeface="Arial"/>
+                <a:cs typeface="Arial"/>
+                <a:sym typeface="Arial"/>
               </a:defRPr>
             </a:pPr>
             <a:r>
@@ -33650,9 +33650,9 @@
             </a:endParaRPr>
           </a:p>
           <a:p>
-            <a:pPr marL="457200" indent="-317500" defTabSz="457200">
+            <a:pPr marL="527755" indent="-388055" defTabSz="457200">
               <a:lnSpc>
-                <a:spcPts val="2300"/>
+                <a:spcPts val="1700"/>
               </a:lnSpc>
               <a:spcBef>
                 <a:spcPts val="0"/>
@@ -33663,14 +33663,14 @@
               <a:buSzPct val="100000"/>
               <a:buFont typeface="Menlo"/>
               <a:buChar char="•"/>
-              <a:defRPr b="0" sz="900">
-                <a:solidFill>
-                  <a:srgbClr val="C41A16"/>
-                </a:solidFill>
-                <a:latin typeface="Menlo"/>
-                <a:ea typeface="Menlo"/>
-                <a:cs typeface="Menlo"/>
-                <a:sym typeface="Menlo"/>
+              <a:defRPr b="0" sz="1100">
+                <a:solidFill>
+                  <a:srgbClr val="5C2699"/>
+                </a:solidFill>
+                <a:latin typeface="Arial"/>
+                <a:ea typeface="Arial"/>
+                <a:cs typeface="Arial"/>
+                <a:sym typeface="Arial"/>
               </a:defRPr>
             </a:pPr>
             <a:r>
@@ -33742,9 +33742,9 @@
             </a:endParaRPr>
           </a:p>
           <a:p>
-            <a:pPr marL="457200" indent="-317500" defTabSz="457200">
+            <a:pPr marL="527755" indent="-388055" defTabSz="457200">
               <a:lnSpc>
-                <a:spcPts val="2300"/>
+                <a:spcPts val="1700"/>
               </a:lnSpc>
               <a:spcBef>
                 <a:spcPts val="0"/>
@@ -33755,14 +33755,14 @@
               <a:buSzPct val="100000"/>
               <a:buFont typeface="Menlo"/>
               <a:buChar char="•"/>
-              <a:defRPr b="0" sz="900">
-                <a:solidFill>
-                  <a:srgbClr val="333333"/>
-                </a:solidFill>
-                <a:latin typeface="Menlo"/>
-                <a:ea typeface="Menlo"/>
-                <a:cs typeface="Menlo"/>
-                <a:sym typeface="Menlo"/>
+              <a:defRPr b="0" sz="1100">
+                <a:solidFill>
+                  <a:srgbClr val="5C2699"/>
+                </a:solidFill>
+                <a:latin typeface="Arial"/>
+                <a:ea typeface="Arial"/>
+                <a:cs typeface="Arial"/>
+                <a:sym typeface="Arial"/>
               </a:defRPr>
             </a:pPr>
             <a:r>
@@ -33781,9 +33781,9 @@
             </a:r>
           </a:p>
           <a:p>
-            <a:pPr marL="457200" indent="-317500" defTabSz="457200">
+            <a:pPr marL="527755" indent="-388055" defTabSz="457200">
               <a:lnSpc>
-                <a:spcPts val="2300"/>
+                <a:spcPts val="1700"/>
               </a:lnSpc>
               <a:spcBef>
                 <a:spcPts val="0"/>
@@ -33794,14 +33794,14 @@
               <a:buSzPct val="100000"/>
               <a:buFont typeface="Menlo"/>
               <a:buChar char="•"/>
-              <a:defRPr b="0" sz="900">
-                <a:solidFill>
-                  <a:srgbClr val="C41A16"/>
-                </a:solidFill>
-                <a:latin typeface="Menlo"/>
-                <a:ea typeface="Menlo"/>
-                <a:cs typeface="Menlo"/>
-                <a:sym typeface="Menlo"/>
+              <a:defRPr b="0" sz="1100">
+                <a:solidFill>
+                  <a:srgbClr val="5C2699"/>
+                </a:solidFill>
+                <a:latin typeface="Arial"/>
+                <a:ea typeface="Arial"/>
+                <a:cs typeface="Arial"/>
+                <a:sym typeface="Arial"/>
               </a:defRPr>
             </a:pPr>
             <a:r>
@@ -33846,9 +33846,9 @@
             </a:endParaRPr>
           </a:p>
           <a:p>
-            <a:pPr marL="457200" indent="-317500" defTabSz="457200">
+            <a:pPr marL="527755" indent="-388055" defTabSz="457200">
               <a:lnSpc>
-                <a:spcPts val="2300"/>
+                <a:spcPts val="1700"/>
               </a:lnSpc>
               <a:spcBef>
                 <a:spcPts val="0"/>
@@ -33859,14 +33859,14 @@
               <a:buSzPct val="100000"/>
               <a:buFont typeface="Menlo"/>
               <a:buChar char="•"/>
-              <a:defRPr b="0" sz="900">
-                <a:solidFill>
-                  <a:srgbClr val="333333"/>
-                </a:solidFill>
-                <a:latin typeface="Menlo"/>
-                <a:ea typeface="Menlo"/>
-                <a:cs typeface="Menlo"/>
-                <a:sym typeface="Menlo"/>
+              <a:defRPr b="0" sz="1100">
+                <a:solidFill>
+                  <a:srgbClr val="5C2699"/>
+                </a:solidFill>
+                <a:latin typeface="Arial"/>
+                <a:ea typeface="Arial"/>
+                <a:cs typeface="Arial"/>
+                <a:sym typeface="Arial"/>
               </a:defRPr>
             </a:pPr>
             <a:r>
@@ -33874,9 +33874,9 @@
             </a:r>
           </a:p>
           <a:p>
-            <a:pPr marL="457200" indent="-317500" defTabSz="457200">
+            <a:pPr marL="527755" indent="-388055" defTabSz="457200">
               <a:lnSpc>
-                <a:spcPts val="2300"/>
+                <a:spcPts val="1700"/>
               </a:lnSpc>
               <a:spcBef>
                 <a:spcPts val="0"/>
@@ -33887,14 +33887,14 @@
               <a:buSzPct val="100000"/>
               <a:buFont typeface="Menlo"/>
               <a:buChar char="•"/>
-              <a:defRPr b="0" sz="900">
-                <a:solidFill>
-                  <a:srgbClr val="007400"/>
-                </a:solidFill>
-                <a:latin typeface="Menlo"/>
-                <a:ea typeface="Menlo"/>
-                <a:cs typeface="Menlo"/>
-                <a:sym typeface="Menlo"/>
+              <a:defRPr b="0" sz="1100">
+                <a:solidFill>
+                  <a:srgbClr val="5C2699"/>
+                </a:solidFill>
+                <a:latin typeface="Arial"/>
+                <a:ea typeface="Arial"/>
+                <a:cs typeface="Arial"/>
+                <a:sym typeface="Arial"/>
               </a:defRPr>
             </a:pPr>
             <a:r>
@@ -33916,8 +33916,8 @@
         </p:nvSpPr>
         <p:spPr>
           <a:xfrm>
-            <a:off x="635102" y="2535380"/>
-            <a:ext cx="4346134" cy="2034541"/>
+            <a:off x="4606308" y="1180398"/>
+            <a:ext cx="3905161" cy="2668665"/>
           </a:xfrm>
           <a:prstGeom prst="rect">
             <a:avLst/>
@@ -33937,9 +33937,9 @@
           </a:bodyPr>
           <a:lstStyle/>
           <a:p>
-            <a:pPr marL="457200" indent="-317500" defTabSz="457200">
+            <a:pPr marL="527755" indent="-388055" defTabSz="457200">
               <a:lnSpc>
-                <a:spcPts val="2300"/>
+                <a:spcPts val="1700"/>
               </a:lnSpc>
               <a:spcBef>
                 <a:spcPts val="0"/>
@@ -33950,14 +33950,14 @@
               <a:buSzPct val="100000"/>
               <a:buFont typeface="Menlo"/>
               <a:buChar char="•"/>
-              <a:defRPr b="0" sz="900">
-                <a:solidFill>
-                  <a:srgbClr val="3F6E74"/>
-                </a:solidFill>
-                <a:latin typeface="Menlo"/>
-                <a:ea typeface="Menlo"/>
-                <a:cs typeface="Menlo"/>
-                <a:sym typeface="Menlo"/>
+              <a:defRPr b="0" sz="1100">
+                <a:solidFill>
+                  <a:srgbClr val="5C2699"/>
+                </a:solidFill>
+                <a:latin typeface="Arial"/>
+                <a:ea typeface="Arial"/>
+                <a:cs typeface="Arial"/>
+                <a:sym typeface="Arial"/>
               </a:defRPr>
             </a:pPr>
             <a:r>
@@ -34005,9 +34005,9 @@
             </a:endParaRPr>
           </a:p>
           <a:p>
-            <a:pPr marL="457200" indent="-317500" defTabSz="457200">
+            <a:pPr marL="527755" indent="-388055" defTabSz="457200">
               <a:lnSpc>
-                <a:spcPts val="2300"/>
+                <a:spcPts val="1700"/>
               </a:lnSpc>
               <a:spcBef>
                 <a:spcPts val="0"/>
@@ -34018,14 +34018,14 @@
               <a:buSzPct val="100000"/>
               <a:buFont typeface="Menlo"/>
               <a:buChar char="•"/>
-              <a:defRPr b="0" sz="900">
-                <a:solidFill>
-                  <a:srgbClr val="3F6E74"/>
-                </a:solidFill>
-                <a:latin typeface="Menlo"/>
-                <a:ea typeface="Menlo"/>
-                <a:cs typeface="Menlo"/>
-                <a:sym typeface="Menlo"/>
+              <a:defRPr b="0" sz="1100">
+                <a:solidFill>
+                  <a:srgbClr val="5C2699"/>
+                </a:solidFill>
+                <a:latin typeface="Arial"/>
+                <a:ea typeface="Arial"/>
+                <a:cs typeface="Arial"/>
+                <a:sym typeface="Arial"/>
               </a:defRPr>
             </a:pPr>
             <a:r>
@@ -34065,9 +34065,9 @@
             </a:endParaRPr>
           </a:p>
           <a:p>
-            <a:pPr marL="457200" indent="-317500" defTabSz="457200">
+            <a:pPr marL="527755" indent="-388055" defTabSz="457200">
               <a:lnSpc>
-                <a:spcPts val="2300"/>
+                <a:spcPts val="1700"/>
               </a:lnSpc>
               <a:spcBef>
                 <a:spcPts val="0"/>
@@ -34078,14 +34078,14 @@
               <a:buSzPct val="100000"/>
               <a:buFont typeface="Menlo"/>
               <a:buChar char="•"/>
-              <a:defRPr b="0" sz="900">
-                <a:solidFill>
-                  <a:srgbClr val="3F6E74"/>
-                </a:solidFill>
-                <a:latin typeface="Menlo"/>
-                <a:ea typeface="Menlo"/>
-                <a:cs typeface="Menlo"/>
-                <a:sym typeface="Menlo"/>
+              <a:defRPr b="0" sz="1100">
+                <a:solidFill>
+                  <a:srgbClr val="5C2699"/>
+                </a:solidFill>
+                <a:latin typeface="Arial"/>
+                <a:ea typeface="Arial"/>
+                <a:cs typeface="Arial"/>
+                <a:sym typeface="Arial"/>
               </a:defRPr>
             </a:pPr>
             <a:r>
@@ -34125,9 +34125,9 @@
             </a:endParaRPr>
           </a:p>
           <a:p>
-            <a:pPr marL="457200" indent="-317500" defTabSz="457200">
+            <a:pPr marL="527755" indent="-388055" defTabSz="457200">
               <a:lnSpc>
-                <a:spcPts val="2300"/>
+                <a:spcPts val="1700"/>
               </a:lnSpc>
               <a:spcBef>
                 <a:spcPts val="0"/>
@@ -34138,14 +34138,14 @@
               <a:buSzPct val="100000"/>
               <a:buFont typeface="Menlo"/>
               <a:buChar char="•"/>
-              <a:defRPr b="0" sz="900">
-                <a:solidFill>
-                  <a:srgbClr val="3F6E74"/>
-                </a:solidFill>
-                <a:latin typeface="Menlo"/>
-                <a:ea typeface="Menlo"/>
-                <a:cs typeface="Menlo"/>
-                <a:sym typeface="Menlo"/>
+              <a:defRPr b="0" sz="1100">
+                <a:solidFill>
+                  <a:srgbClr val="5C2699"/>
+                </a:solidFill>
+                <a:latin typeface="Arial"/>
+                <a:ea typeface="Arial"/>
+                <a:cs typeface="Arial"/>
+                <a:sym typeface="Arial"/>
               </a:defRPr>
             </a:pPr>
             <a:r>
@@ -34191,9 +34191,9 @@
             </a:endParaRPr>
           </a:p>
           <a:p>
-            <a:pPr marL="457200" indent="-317500" defTabSz="457200">
+            <a:pPr marL="527755" indent="-388055" defTabSz="457200">
               <a:lnSpc>
-                <a:spcPts val="2300"/>
+                <a:spcPts val="1700"/>
               </a:lnSpc>
               <a:spcBef>
                 <a:spcPts val="0"/>
@@ -34204,21 +34204,21 @@
               <a:buSzPct val="100000"/>
               <a:buFont typeface="Menlo"/>
               <a:buChar char="•"/>
-              <a:defRPr b="0" sz="900">
-                <a:solidFill>
-                  <a:srgbClr val="333333"/>
-                </a:solidFill>
-                <a:latin typeface="Menlo"/>
-                <a:ea typeface="Menlo"/>
-                <a:cs typeface="Menlo"/>
-                <a:sym typeface="Menlo"/>
+              <a:defRPr b="0" sz="1100">
+                <a:solidFill>
+                  <a:srgbClr val="5C2699"/>
+                </a:solidFill>
+                <a:latin typeface="Arial"/>
+                <a:ea typeface="Arial"/>
+                <a:cs typeface="Arial"/>
+                <a:sym typeface="Arial"/>
               </a:defRPr>
             </a:pPr>
           </a:p>
           <a:p>
-            <a:pPr marL="457200" indent="-317500" defTabSz="457200">
+            <a:pPr marL="527755" indent="-388055" defTabSz="457200">
               <a:lnSpc>
-                <a:spcPts val="2300"/>
+                <a:spcPts val="1700"/>
               </a:lnSpc>
               <a:spcBef>
                 <a:spcPts val="0"/>
@@ -34229,14 +34229,14 @@
               <a:buSzPct val="100000"/>
               <a:buFont typeface="Menlo"/>
               <a:buChar char="•"/>
-              <a:defRPr b="0" sz="900">
-                <a:solidFill>
-                  <a:srgbClr val="3F6E74"/>
-                </a:solidFill>
-                <a:latin typeface="Menlo"/>
-                <a:ea typeface="Menlo"/>
-                <a:cs typeface="Menlo"/>
-                <a:sym typeface="Menlo"/>
+              <a:defRPr b="0" sz="1100">
+                <a:solidFill>
+                  <a:srgbClr val="5C2699"/>
+                </a:solidFill>
+                <a:latin typeface="Arial"/>
+                <a:ea typeface="Arial"/>
+                <a:cs typeface="Arial"/>
+                <a:sym typeface="Arial"/>
               </a:defRPr>
             </a:pPr>
             <a:r>
@@ -34333,9 +34333,9 @@
             </a:endParaRPr>
           </a:p>
           <a:p>
-            <a:pPr marL="457200" indent="-317500" defTabSz="457200">
+            <a:pPr marL="527755" indent="-388055" defTabSz="457200">
               <a:lnSpc>
-                <a:spcPts val="2300"/>
+                <a:spcPts val="1700"/>
               </a:lnSpc>
               <a:spcBef>
                 <a:spcPts val="0"/>
@@ -34346,14 +34346,14 @@
               <a:buSzPct val="100000"/>
               <a:buFont typeface="Menlo"/>
               <a:buChar char="•"/>
-              <a:defRPr b="0" sz="900">
-                <a:solidFill>
-                  <a:srgbClr val="C41A16"/>
-                </a:solidFill>
-                <a:latin typeface="Menlo"/>
-                <a:ea typeface="Menlo"/>
-                <a:cs typeface="Menlo"/>
-                <a:sym typeface="Menlo"/>
+              <a:defRPr b="0" sz="1100">
+                <a:solidFill>
+                  <a:srgbClr val="5C2699"/>
+                </a:solidFill>
+                <a:latin typeface="Arial"/>
+                <a:ea typeface="Arial"/>
+                <a:cs typeface="Arial"/>
+                <a:sym typeface="Arial"/>
               </a:defRPr>
             </a:pPr>
             <a:r>
@@ -34425,9 +34425,9 @@
             </a:endParaRPr>
           </a:p>
           <a:p>
-            <a:pPr marL="457200" indent="-317500" defTabSz="457200">
+            <a:pPr marL="527755" indent="-388055" defTabSz="457200">
               <a:lnSpc>
-                <a:spcPts val="2300"/>
+                <a:spcPts val="1700"/>
               </a:lnSpc>
               <a:spcBef>
                 <a:spcPts val="0"/>
@@ -34438,14 +34438,14 @@
               <a:buSzPct val="100000"/>
               <a:buFont typeface="Menlo"/>
               <a:buChar char="•"/>
-              <a:defRPr b="0" sz="900">
-                <a:solidFill>
-                  <a:srgbClr val="333333"/>
-                </a:solidFill>
-                <a:latin typeface="Menlo"/>
-                <a:ea typeface="Menlo"/>
-                <a:cs typeface="Menlo"/>
-                <a:sym typeface="Menlo"/>
+              <a:defRPr b="0" sz="1100">
+                <a:solidFill>
+                  <a:srgbClr val="5C2699"/>
+                </a:solidFill>
+                <a:latin typeface="Arial"/>
+                <a:ea typeface="Arial"/>
+                <a:cs typeface="Arial"/>
+                <a:sym typeface="Arial"/>
               </a:defRPr>
             </a:pPr>
             <a:r>
@@ -34464,9 +34464,9 @@
             </a:r>
           </a:p>
           <a:p>
-            <a:pPr marL="457200" indent="-317500" defTabSz="457200">
+            <a:pPr marL="527755" indent="-388055" defTabSz="457200">
               <a:lnSpc>
-                <a:spcPts val="2300"/>
+                <a:spcPts val="1700"/>
               </a:lnSpc>
               <a:spcBef>
                 <a:spcPts val="0"/>
@@ -34477,14 +34477,14 @@
               <a:buSzPct val="100000"/>
               <a:buFont typeface="Menlo"/>
               <a:buChar char="•"/>
-              <a:defRPr b="0" sz="900">
-                <a:solidFill>
-                  <a:srgbClr val="C41A16"/>
-                </a:solidFill>
-                <a:latin typeface="Menlo"/>
-                <a:ea typeface="Menlo"/>
-                <a:cs typeface="Menlo"/>
-                <a:sym typeface="Menlo"/>
+              <a:defRPr b="0" sz="1100">
+                <a:solidFill>
+                  <a:srgbClr val="5C2699"/>
+                </a:solidFill>
+                <a:latin typeface="Arial"/>
+                <a:ea typeface="Arial"/>
+                <a:cs typeface="Arial"/>
+                <a:sym typeface="Arial"/>
               </a:defRPr>
             </a:pPr>
             <a:r>
@@ -34529,9 +34529,9 @@
             </a:endParaRPr>
           </a:p>
           <a:p>
-            <a:pPr marL="457200" indent="-317500" defTabSz="457200">
+            <a:pPr marL="527755" indent="-388055" defTabSz="457200">
               <a:lnSpc>
-                <a:spcPts val="2300"/>
+                <a:spcPts val="1700"/>
               </a:lnSpc>
               <a:spcBef>
                 <a:spcPts val="0"/>
@@ -34542,14 +34542,14 @@
               <a:buSzPct val="100000"/>
               <a:buFont typeface="Menlo"/>
               <a:buChar char="•"/>
-              <a:defRPr b="0" sz="900">
-                <a:solidFill>
-                  <a:srgbClr val="333333"/>
-                </a:solidFill>
-                <a:latin typeface="Menlo"/>
-                <a:ea typeface="Menlo"/>
-                <a:cs typeface="Menlo"/>
-                <a:sym typeface="Menlo"/>
+              <a:defRPr b="0" sz="1100">
+                <a:solidFill>
+                  <a:srgbClr val="5C2699"/>
+                </a:solidFill>
+                <a:latin typeface="Arial"/>
+                <a:ea typeface="Arial"/>
+                <a:cs typeface="Arial"/>
+                <a:sym typeface="Arial"/>
               </a:defRPr>
             </a:pPr>
             <a:r>
@@ -34557,9 +34557,9 @@
             </a:r>
           </a:p>
           <a:p>
-            <a:pPr marL="457200" indent="-317500" defTabSz="457200">
+            <a:pPr marL="527755" indent="-388055" defTabSz="457200">
               <a:lnSpc>
-                <a:spcPts val="2300"/>
+                <a:spcPts val="1700"/>
               </a:lnSpc>
               <a:spcBef>
                 <a:spcPts val="0"/>
@@ -34570,14 +34570,14 @@
               <a:buSzPct val="100000"/>
               <a:buFont typeface="Menlo"/>
               <a:buChar char="•"/>
-              <a:defRPr b="0" sz="900">
-                <a:solidFill>
-                  <a:srgbClr val="007400"/>
-                </a:solidFill>
-                <a:latin typeface="Menlo"/>
-                <a:ea typeface="Menlo"/>
-                <a:cs typeface="Menlo"/>
-                <a:sym typeface="Menlo"/>
+              <a:defRPr b="0" sz="1100">
+                <a:solidFill>
+                  <a:srgbClr val="5C2699"/>
+                </a:solidFill>
+                <a:latin typeface="Arial"/>
+                <a:ea typeface="Arial"/>
+                <a:cs typeface="Arial"/>
+                <a:sym typeface="Arial"/>
               </a:defRPr>
             </a:pPr>
             <a:r>
@@ -34731,7 +34731,7 @@
         <p:spPr>
           <a:xfrm>
             <a:off x="635102" y="1184658"/>
-            <a:ext cx="5791236" cy="751841"/>
+            <a:ext cx="4976922" cy="941466"/>
           </a:xfrm>
           <a:prstGeom prst="rect">
             <a:avLst/>
@@ -34751,9 +34751,9 @@
           </a:bodyPr>
           <a:lstStyle/>
           <a:p>
-            <a:pPr marL="457200" indent="-317500" defTabSz="457200">
+            <a:pPr marL="527755" indent="-388055" defTabSz="457200">
               <a:lnSpc>
-                <a:spcPts val="2400"/>
+                <a:spcPts val="1700"/>
               </a:lnSpc>
               <a:spcBef>
                 <a:spcPts val="0"/>
@@ -34764,14 +34764,14 @@
               <a:buSzPct val="100000"/>
               <a:buFont typeface="Menlo"/>
               <a:buChar char="•"/>
-              <a:defRPr b="0" sz="900">
-                <a:solidFill>
-                  <a:srgbClr val="3F6E74"/>
-                </a:solidFill>
-                <a:latin typeface="Menlo"/>
-                <a:ea typeface="Menlo"/>
-                <a:cs typeface="Menlo"/>
-                <a:sym typeface="Menlo"/>
+              <a:defRPr b="0" sz="1100">
+                <a:solidFill>
+                  <a:srgbClr val="5C2699"/>
+                </a:solidFill>
+                <a:latin typeface="Arial"/>
+                <a:ea typeface="Arial"/>
+                <a:cs typeface="Arial"/>
+                <a:sym typeface="Arial"/>
               </a:defRPr>
             </a:pPr>
             <a:r>
@@ -34868,9 +34868,9 @@
             </a:endParaRPr>
           </a:p>
           <a:p>
-            <a:pPr marL="457200" indent="-317500" defTabSz="457200">
+            <a:pPr marL="527755" indent="-388055" defTabSz="457200">
               <a:lnSpc>
-                <a:spcPts val="2400"/>
+                <a:spcPts val="1700"/>
               </a:lnSpc>
               <a:spcBef>
                 <a:spcPts val="0"/>
@@ -34881,14 +34881,14 @@
               <a:buSzPct val="100000"/>
               <a:buFont typeface="Menlo"/>
               <a:buChar char="•"/>
-              <a:defRPr b="0" sz="900">
-                <a:solidFill>
-                  <a:srgbClr val="C41A16"/>
-                </a:solidFill>
-                <a:latin typeface="Menlo"/>
-                <a:ea typeface="Menlo"/>
-                <a:cs typeface="Menlo"/>
-                <a:sym typeface="Menlo"/>
+              <a:defRPr b="0" sz="1100">
+                <a:solidFill>
+                  <a:srgbClr val="5C2699"/>
+                </a:solidFill>
+                <a:latin typeface="Arial"/>
+                <a:ea typeface="Arial"/>
+                <a:cs typeface="Arial"/>
+                <a:sym typeface="Arial"/>
               </a:defRPr>
             </a:pPr>
             <a:r>
@@ -34960,9 +34960,9 @@
             </a:endParaRPr>
           </a:p>
           <a:p>
-            <a:pPr marL="457200" indent="-317500" defTabSz="457200">
+            <a:pPr marL="527755" indent="-388055" defTabSz="457200">
               <a:lnSpc>
-                <a:spcPts val="2400"/>
+                <a:spcPts val="1700"/>
               </a:lnSpc>
               <a:spcBef>
                 <a:spcPts val="0"/>
@@ -34973,14 +34973,14 @@
               <a:buSzPct val="100000"/>
               <a:buFont typeface="Menlo"/>
               <a:buChar char="•"/>
-              <a:defRPr b="0" sz="900">
-                <a:solidFill>
-                  <a:srgbClr val="333333"/>
-                </a:solidFill>
-                <a:latin typeface="Menlo"/>
-                <a:ea typeface="Menlo"/>
-                <a:cs typeface="Menlo"/>
-                <a:sym typeface="Menlo"/>
+              <a:defRPr b="0" sz="1100">
+                <a:solidFill>
+                  <a:srgbClr val="5C2699"/>
+                </a:solidFill>
+                <a:latin typeface="Arial"/>
+                <a:ea typeface="Arial"/>
+                <a:cs typeface="Arial"/>
+                <a:sym typeface="Arial"/>
               </a:defRPr>
             </a:pPr>
             <a:r>
@@ -34988,9 +34988,9 @@
             </a:r>
           </a:p>
           <a:p>
-            <a:pPr marL="457200" indent="-317500" defTabSz="457200">
+            <a:pPr marL="527755" indent="-388055" defTabSz="457200">
               <a:lnSpc>
-                <a:spcPts val="2400"/>
+                <a:spcPts val="1700"/>
               </a:lnSpc>
               <a:spcBef>
                 <a:spcPts val="0"/>
@@ -35001,14 +35001,14 @@
               <a:buSzPct val="100000"/>
               <a:buFont typeface="Menlo"/>
               <a:buChar char="•"/>
-              <a:defRPr b="0" sz="900">
-                <a:solidFill>
-                  <a:srgbClr val="007400"/>
-                </a:solidFill>
-                <a:latin typeface="Menlo"/>
-                <a:ea typeface="Menlo"/>
-                <a:cs typeface="Menlo"/>
-                <a:sym typeface="Menlo"/>
+              <a:defRPr b="0" sz="1100">
+                <a:solidFill>
+                  <a:srgbClr val="5C2699"/>
+                </a:solidFill>
+                <a:latin typeface="Arial"/>
+                <a:ea typeface="Arial"/>
+                <a:cs typeface="Arial"/>
+                <a:sym typeface="Arial"/>
               </a:defRPr>
             </a:pPr>
             <a:r>
@@ -35026,7 +35026,7 @@
         <p:spPr>
           <a:xfrm>
             <a:off x="639363" y="2407551"/>
-            <a:ext cx="5584793" cy="1704341"/>
+            <a:ext cx="4792338" cy="2236866"/>
           </a:xfrm>
           <a:prstGeom prst="rect">
             <a:avLst/>
@@ -35046,9 +35046,9 @@
           </a:bodyPr>
           <a:lstStyle/>
           <a:p>
-            <a:pPr marL="457200" indent="-317500" defTabSz="457200">
+            <a:pPr marL="527755" indent="-388055" defTabSz="457200">
               <a:lnSpc>
-                <a:spcPts val="2300"/>
+                <a:spcPts val="1700"/>
               </a:lnSpc>
               <a:spcBef>
                 <a:spcPts val="0"/>
@@ -35059,14 +35059,14 @@
               <a:buSzPct val="100000"/>
               <a:buFont typeface="Menlo"/>
               <a:buChar char="•"/>
-              <a:defRPr b="0" sz="900">
-                <a:solidFill>
-                  <a:srgbClr val="3F6E74"/>
-                </a:solidFill>
-                <a:latin typeface="Menlo"/>
-                <a:ea typeface="Menlo"/>
-                <a:cs typeface="Menlo"/>
-                <a:sym typeface="Menlo"/>
+              <a:defRPr b="0" sz="1100">
+                <a:solidFill>
+                  <a:srgbClr val="5C2699"/>
+                </a:solidFill>
+                <a:latin typeface="Arial"/>
+                <a:ea typeface="Arial"/>
+                <a:cs typeface="Arial"/>
+                <a:sym typeface="Arial"/>
               </a:defRPr>
             </a:pPr>
             <a:r>
@@ -35119,9 +35119,9 @@
             </a:endParaRPr>
           </a:p>
           <a:p>
-            <a:pPr marL="457200" indent="-317500" defTabSz="457200">
+            <a:pPr marL="527755" indent="-388055" defTabSz="457200">
               <a:lnSpc>
-                <a:spcPts val="2300"/>
+                <a:spcPts val="1700"/>
               </a:lnSpc>
               <a:spcBef>
                 <a:spcPts val="0"/>
@@ -35132,14 +35132,14 @@
               <a:buSzPct val="100000"/>
               <a:buFont typeface="Menlo"/>
               <a:buChar char="•"/>
-              <a:defRPr b="0" sz="900">
-                <a:solidFill>
-                  <a:srgbClr val="3F6E74"/>
-                </a:solidFill>
-                <a:latin typeface="Menlo"/>
-                <a:ea typeface="Menlo"/>
-                <a:cs typeface="Menlo"/>
-                <a:sym typeface="Menlo"/>
+              <a:defRPr b="0" sz="1100">
+                <a:solidFill>
+                  <a:srgbClr val="5C2699"/>
+                </a:solidFill>
+                <a:latin typeface="Arial"/>
+                <a:ea typeface="Arial"/>
+                <a:cs typeface="Arial"/>
+                <a:sym typeface="Arial"/>
               </a:defRPr>
             </a:pPr>
             <a:r>
@@ -35228,9 +35228,9 @@
             </a:endParaRPr>
           </a:p>
           <a:p>
-            <a:pPr marL="457200" indent="-317500" defTabSz="457200">
+            <a:pPr marL="527755" indent="-388055" defTabSz="457200">
               <a:lnSpc>
-                <a:spcPts val="2300"/>
+                <a:spcPts val="1700"/>
               </a:lnSpc>
               <a:spcBef>
                 <a:spcPts val="0"/>
@@ -35241,14 +35241,14 @@
               <a:buSzPct val="100000"/>
               <a:buFont typeface="Menlo"/>
               <a:buChar char="•"/>
-              <a:defRPr b="0" sz="900">
-                <a:solidFill>
-                  <a:srgbClr val="3F6E74"/>
-                </a:solidFill>
-                <a:latin typeface="Menlo"/>
-                <a:ea typeface="Menlo"/>
-                <a:cs typeface="Menlo"/>
-                <a:sym typeface="Menlo"/>
+              <a:defRPr b="0" sz="1100">
+                <a:solidFill>
+                  <a:srgbClr val="5C2699"/>
+                </a:solidFill>
+                <a:latin typeface="Arial"/>
+                <a:ea typeface="Arial"/>
+                <a:cs typeface="Arial"/>
+                <a:sym typeface="Arial"/>
               </a:defRPr>
             </a:pPr>
             <a:r>
@@ -35293,9 +35293,9 @@
             </a:endParaRPr>
           </a:p>
           <a:p>
-            <a:pPr marL="457200" indent="-317500" defTabSz="457200">
+            <a:pPr marL="527755" indent="-388055" defTabSz="457200">
               <a:lnSpc>
-                <a:spcPts val="2300"/>
+                <a:spcPts val="1700"/>
               </a:lnSpc>
               <a:spcBef>
                 <a:spcPts val="0"/>
@@ -35306,14 +35306,14 @@
               <a:buSzPct val="100000"/>
               <a:buFont typeface="Menlo"/>
               <a:buChar char="•"/>
-              <a:defRPr b="0" sz="900">
-                <a:solidFill>
-                  <a:srgbClr val="C41A16"/>
-                </a:solidFill>
-                <a:latin typeface="Menlo"/>
-                <a:ea typeface="Menlo"/>
-                <a:cs typeface="Menlo"/>
-                <a:sym typeface="Menlo"/>
+              <a:defRPr b="0" sz="1100">
+                <a:solidFill>
+                  <a:srgbClr val="5C2699"/>
+                </a:solidFill>
+                <a:latin typeface="Arial"/>
+                <a:ea typeface="Arial"/>
+                <a:cs typeface="Arial"/>
+                <a:sym typeface="Arial"/>
               </a:defRPr>
             </a:pPr>
             <a:r>
@@ -35358,9 +35358,9 @@
             </a:endParaRPr>
           </a:p>
           <a:p>
-            <a:pPr marL="457200" indent="-317500" defTabSz="457200">
+            <a:pPr marL="527755" indent="-388055" defTabSz="457200">
               <a:lnSpc>
-                <a:spcPts val="2300"/>
+                <a:spcPts val="1700"/>
               </a:lnSpc>
               <a:spcBef>
                 <a:spcPts val="0"/>
@@ -35371,14 +35371,14 @@
               <a:buSzPct val="100000"/>
               <a:buFont typeface="Menlo"/>
               <a:buChar char="•"/>
-              <a:defRPr b="0" sz="900">
-                <a:solidFill>
-                  <a:srgbClr val="333333"/>
-                </a:solidFill>
-                <a:latin typeface="Menlo"/>
-                <a:ea typeface="Menlo"/>
-                <a:cs typeface="Menlo"/>
-                <a:sym typeface="Menlo"/>
+              <a:defRPr b="0" sz="1100">
+                <a:solidFill>
+                  <a:srgbClr val="5C2699"/>
+                </a:solidFill>
+                <a:latin typeface="Arial"/>
+                <a:ea typeface="Arial"/>
+                <a:cs typeface="Arial"/>
+                <a:sym typeface="Arial"/>
               </a:defRPr>
             </a:pPr>
             <a:r>
@@ -35397,9 +35397,9 @@
             </a:r>
           </a:p>
           <a:p>
-            <a:pPr marL="457200" indent="-317500" defTabSz="457200">
+            <a:pPr marL="527755" indent="-388055" defTabSz="457200">
               <a:lnSpc>
-                <a:spcPts val="2300"/>
+                <a:spcPts val="1700"/>
               </a:lnSpc>
               <a:spcBef>
                 <a:spcPts val="0"/>
@@ -35410,14 +35410,14 @@
               <a:buSzPct val="100000"/>
               <a:buFont typeface="Menlo"/>
               <a:buChar char="•"/>
-              <a:defRPr b="0" sz="900">
-                <a:solidFill>
-                  <a:srgbClr val="C41A16"/>
-                </a:solidFill>
-                <a:latin typeface="Menlo"/>
-                <a:ea typeface="Menlo"/>
-                <a:cs typeface="Menlo"/>
-                <a:sym typeface="Menlo"/>
+              <a:defRPr b="0" sz="1100">
+                <a:solidFill>
+                  <a:srgbClr val="5C2699"/>
+                </a:solidFill>
+                <a:latin typeface="Arial"/>
+                <a:ea typeface="Arial"/>
+                <a:cs typeface="Arial"/>
+                <a:sym typeface="Arial"/>
               </a:defRPr>
             </a:pPr>
             <a:r>
@@ -35462,9 +35462,9 @@
             </a:endParaRPr>
           </a:p>
           <a:p>
-            <a:pPr marL="457200" indent="-317500" defTabSz="457200">
+            <a:pPr marL="527755" indent="-388055" defTabSz="457200">
               <a:lnSpc>
-                <a:spcPts val="2300"/>
+                <a:spcPts val="1700"/>
               </a:lnSpc>
               <a:spcBef>
                 <a:spcPts val="0"/>
@@ -35475,14 +35475,14 @@
               <a:buSzPct val="100000"/>
               <a:buFont typeface="Menlo"/>
               <a:buChar char="•"/>
-              <a:defRPr b="0" sz="900">
-                <a:solidFill>
-                  <a:srgbClr val="333333"/>
-                </a:solidFill>
-                <a:latin typeface="Menlo"/>
-                <a:ea typeface="Menlo"/>
-                <a:cs typeface="Menlo"/>
-                <a:sym typeface="Menlo"/>
+              <a:defRPr b="0" sz="1100">
+                <a:solidFill>
+                  <a:srgbClr val="5C2699"/>
+                </a:solidFill>
+                <a:latin typeface="Arial"/>
+                <a:ea typeface="Arial"/>
+                <a:cs typeface="Arial"/>
+                <a:sym typeface="Arial"/>
               </a:defRPr>
             </a:pPr>
             <a:r>
@@ -35490,9 +35490,9 @@
             </a:r>
           </a:p>
           <a:p>
-            <a:pPr marL="457200" indent="-317500" defTabSz="457200">
+            <a:pPr marL="527755" indent="-388055" defTabSz="457200">
               <a:lnSpc>
-                <a:spcPts val="2300"/>
+                <a:spcPts val="1700"/>
               </a:lnSpc>
               <a:spcBef>
                 <a:spcPts val="0"/>
@@ -35503,14 +35503,14 @@
               <a:buSzPct val="100000"/>
               <a:buFont typeface="Menlo"/>
               <a:buChar char="•"/>
-              <a:defRPr b="0" sz="900">
-                <a:solidFill>
-                  <a:srgbClr val="333333"/>
-                </a:solidFill>
-                <a:latin typeface="Menlo"/>
-                <a:ea typeface="Menlo"/>
-                <a:cs typeface="Menlo"/>
-                <a:sym typeface="Menlo"/>
+              <a:defRPr b="0" sz="1100">
+                <a:solidFill>
+                  <a:srgbClr val="5C2699"/>
+                </a:solidFill>
+                <a:latin typeface="Arial"/>
+                <a:ea typeface="Arial"/>
+                <a:cs typeface="Arial"/>
+                <a:sym typeface="Arial"/>
               </a:defRPr>
             </a:pPr>
             <a:r>
@@ -35518,9 +35518,9 @@
             </a:r>
           </a:p>
           <a:p>
-            <a:pPr marL="457200" indent="-317500" defTabSz="457200">
+            <a:pPr marL="527755" indent="-388055" defTabSz="457200">
               <a:lnSpc>
-                <a:spcPts val="2300"/>
+                <a:spcPts val="1700"/>
               </a:lnSpc>
               <a:spcBef>
                 <a:spcPts val="0"/>
@@ -35531,14 +35531,14 @@
               <a:buSzPct val="100000"/>
               <a:buFont typeface="Menlo"/>
               <a:buChar char="•"/>
-              <a:defRPr b="0" sz="900">
-                <a:solidFill>
-                  <a:srgbClr val="007400"/>
-                </a:solidFill>
-                <a:latin typeface="Menlo"/>
-                <a:ea typeface="Menlo"/>
-                <a:cs typeface="Menlo"/>
-                <a:sym typeface="Menlo"/>
+              <a:defRPr b="0" sz="1100">
+                <a:solidFill>
+                  <a:srgbClr val="5C2699"/>
+                </a:solidFill>
+                <a:latin typeface="Arial"/>
+                <a:ea typeface="Arial"/>
+                <a:cs typeface="Arial"/>
+                <a:sym typeface="Arial"/>
               </a:defRPr>
             </a:pPr>
             <a:r>
@@ -36000,8 +36000,8 @@
         </p:nvSpPr>
         <p:spPr>
           <a:xfrm>
-            <a:off x="615302" y="1105948"/>
-            <a:ext cx="2625773" cy="1374141"/>
+            <a:off x="640867" y="1105948"/>
+            <a:ext cx="2479989" cy="1805065"/>
           </a:xfrm>
           <a:prstGeom prst="rect">
             <a:avLst/>
@@ -36021,9 +36021,9 @@
           </a:bodyPr>
           <a:lstStyle/>
           <a:p>
-            <a:pPr marL="457200" indent="-317500" defTabSz="457200">
+            <a:pPr marL="527755" indent="-388055" defTabSz="457200">
               <a:lnSpc>
-                <a:spcPts val="2300"/>
+                <a:spcPts val="1700"/>
               </a:lnSpc>
               <a:spcBef>
                 <a:spcPts val="0"/>
@@ -36034,14 +36034,14 @@
               <a:buSzPct val="100000"/>
               <a:buFont typeface="Menlo"/>
               <a:buChar char="•"/>
-              <a:defRPr b="0" sz="900">
-                <a:solidFill>
-                  <a:srgbClr val="AA0D91"/>
-                </a:solidFill>
-                <a:latin typeface="Menlo"/>
-                <a:ea typeface="Menlo"/>
-                <a:cs typeface="Menlo"/>
-                <a:sym typeface="Menlo"/>
+              <a:defRPr b="0" sz="1100">
+                <a:solidFill>
+                  <a:srgbClr val="5C2699"/>
+                </a:solidFill>
+                <a:latin typeface="Arial"/>
+                <a:ea typeface="Arial"/>
+                <a:cs typeface="Arial"/>
+                <a:sym typeface="Arial"/>
               </a:defRPr>
             </a:pPr>
             <a:r>
@@ -36078,9 +36078,9 @@
             </a:endParaRPr>
           </a:p>
           <a:p>
-            <a:pPr marL="457200" indent="-317500" defTabSz="457200">
+            <a:pPr marL="527755" indent="-388055" defTabSz="457200">
               <a:lnSpc>
-                <a:spcPts val="2300"/>
+                <a:spcPts val="1700"/>
               </a:lnSpc>
               <a:spcBef>
                 <a:spcPts val="0"/>
@@ -36091,14 +36091,14 @@
               <a:buSzPct val="100000"/>
               <a:buFont typeface="Menlo"/>
               <a:buChar char="•"/>
-              <a:defRPr b="0" sz="900">
-                <a:solidFill>
-                  <a:srgbClr val="3F6E74"/>
-                </a:solidFill>
-                <a:latin typeface="Menlo"/>
-                <a:ea typeface="Menlo"/>
-                <a:cs typeface="Menlo"/>
-                <a:sym typeface="Menlo"/>
+              <a:defRPr b="0" sz="1100">
+                <a:solidFill>
+                  <a:srgbClr val="5C2699"/>
+                </a:solidFill>
+                <a:latin typeface="Arial"/>
+                <a:ea typeface="Arial"/>
+                <a:cs typeface="Arial"/>
+                <a:sym typeface="Arial"/>
               </a:defRPr>
             </a:pPr>
             <a:r>
@@ -36137,11 +36137,6 @@
               <a:t>: </a:t>
             </a:r>
             <a:r>
-              <a:rPr>
-                <a:solidFill>
-                  <a:srgbClr val="5C2699"/>
-                </a:solidFill>
-              </a:rPr>
               <a:t>Residence</a:t>
             </a:r>
             <a:r>
@@ -36159,9 +36154,9 @@
             </a:endParaRPr>
           </a:p>
           <a:p>
-            <a:pPr marL="457200" indent="-317500" defTabSz="457200">
+            <a:pPr marL="527755" indent="-388055" defTabSz="457200">
               <a:lnSpc>
-                <a:spcPts val="2300"/>
+                <a:spcPts val="1700"/>
               </a:lnSpc>
               <a:spcBef>
                 <a:spcPts val="0"/>
@@ -36172,14 +36167,14 @@
               <a:buSzPct val="100000"/>
               <a:buFont typeface="Menlo"/>
               <a:buChar char="•"/>
-              <a:defRPr b="0" sz="900">
-                <a:solidFill>
-                  <a:srgbClr val="333333"/>
-                </a:solidFill>
-                <a:latin typeface="Menlo"/>
-                <a:ea typeface="Menlo"/>
-                <a:cs typeface="Menlo"/>
-                <a:sym typeface="Menlo"/>
+              <a:defRPr b="0" sz="1100">
+                <a:solidFill>
+                  <a:srgbClr val="5C2699"/>
+                </a:solidFill>
+                <a:latin typeface="Arial"/>
+                <a:ea typeface="Arial"/>
+                <a:cs typeface="Arial"/>
+                <a:sym typeface="Arial"/>
               </a:defRPr>
             </a:pPr>
             <a:r>
@@ -36187,9 +36182,9 @@
             </a:r>
           </a:p>
           <a:p>
-            <a:pPr marL="457200" indent="-317500" defTabSz="457200">
+            <a:pPr marL="527755" indent="-388055" defTabSz="457200">
               <a:lnSpc>
-                <a:spcPts val="2300"/>
+                <a:spcPts val="1700"/>
               </a:lnSpc>
               <a:spcBef>
                 <a:spcPts val="0"/>
@@ -36200,21 +36195,21 @@
               <a:buSzPct val="100000"/>
               <a:buFont typeface="Menlo"/>
               <a:buChar char="•"/>
-              <a:defRPr b="0" sz="900">
-                <a:solidFill>
-                  <a:srgbClr val="333333"/>
-                </a:solidFill>
-                <a:latin typeface="Menlo"/>
-                <a:ea typeface="Menlo"/>
-                <a:cs typeface="Menlo"/>
-                <a:sym typeface="Menlo"/>
+              <a:defRPr b="0" sz="1100">
+                <a:solidFill>
+                  <a:srgbClr val="5C2699"/>
+                </a:solidFill>
+                <a:latin typeface="Arial"/>
+                <a:ea typeface="Arial"/>
+                <a:cs typeface="Arial"/>
+                <a:sym typeface="Arial"/>
               </a:defRPr>
             </a:pPr>
           </a:p>
           <a:p>
-            <a:pPr marL="457200" indent="-317500" defTabSz="457200">
+            <a:pPr marL="527755" indent="-388055" defTabSz="457200">
               <a:lnSpc>
-                <a:spcPts val="2300"/>
+                <a:spcPts val="1700"/>
               </a:lnSpc>
               <a:spcBef>
                 <a:spcPts val="0"/>
@@ -36225,14 +36220,14 @@
               <a:buSzPct val="100000"/>
               <a:buFont typeface="Menlo"/>
               <a:buChar char="•"/>
-              <a:defRPr b="0" sz="900">
-                <a:solidFill>
-                  <a:srgbClr val="3F6E74"/>
-                </a:solidFill>
-                <a:latin typeface="Menlo"/>
-                <a:ea typeface="Menlo"/>
-                <a:cs typeface="Menlo"/>
-                <a:sym typeface="Menlo"/>
+              <a:defRPr b="0" sz="1100">
+                <a:solidFill>
+                  <a:srgbClr val="5C2699"/>
+                </a:solidFill>
+                <a:latin typeface="Arial"/>
+                <a:ea typeface="Arial"/>
+                <a:cs typeface="Arial"/>
+                <a:sym typeface="Arial"/>
               </a:defRPr>
             </a:pPr>
             <a:r>
@@ -36269,9 +36264,9 @@
             </a:endParaRPr>
           </a:p>
           <a:p>
-            <a:pPr marL="457200" indent="-317500" defTabSz="457200">
+            <a:pPr marL="527755" indent="-388055" defTabSz="457200">
               <a:lnSpc>
-                <a:spcPts val="2300"/>
+                <a:spcPts val="1700"/>
               </a:lnSpc>
               <a:spcBef>
                 <a:spcPts val="0"/>
@@ -36282,14 +36277,14 @@
               <a:buSzPct val="100000"/>
               <a:buFont typeface="Menlo"/>
               <a:buChar char="•"/>
-              <a:defRPr b="0" sz="900">
-                <a:solidFill>
-                  <a:srgbClr val="3F6E74"/>
-                </a:solidFill>
-                <a:latin typeface="Menlo"/>
-                <a:ea typeface="Menlo"/>
-                <a:cs typeface="Menlo"/>
-                <a:sym typeface="Menlo"/>
+              <a:defRPr b="0" sz="1100">
+                <a:solidFill>
+                  <a:srgbClr val="5C2699"/>
+                </a:solidFill>
+                <a:latin typeface="Arial"/>
+                <a:ea typeface="Arial"/>
+                <a:cs typeface="Arial"/>
+                <a:sym typeface="Arial"/>
               </a:defRPr>
             </a:pPr>
             <a:r>
@@ -36342,9 +36337,9 @@
             </a:endParaRPr>
           </a:p>
           <a:p>
-            <a:pPr marL="457200" indent="-317500" defTabSz="457200">
+            <a:pPr marL="527755" indent="-388055" defTabSz="457200">
               <a:lnSpc>
-                <a:spcPts val="2300"/>
+                <a:spcPts val="1700"/>
               </a:lnSpc>
               <a:spcBef>
                 <a:spcPts val="0"/>
@@ -36355,14 +36350,14 @@
               <a:buSzPct val="100000"/>
               <a:buFont typeface="Menlo"/>
               <a:buChar char="•"/>
-              <a:defRPr b="0" sz="900">
-                <a:solidFill>
-                  <a:srgbClr val="333333"/>
-                </a:solidFill>
-                <a:latin typeface="Menlo"/>
-                <a:ea typeface="Menlo"/>
-                <a:cs typeface="Menlo"/>
-                <a:sym typeface="Menlo"/>
+              <a:defRPr b="0" sz="1100">
+                <a:solidFill>
+                  <a:srgbClr val="5C2699"/>
+                </a:solidFill>
+                <a:latin typeface="Arial"/>
+                <a:ea typeface="Arial"/>
+                <a:cs typeface="Arial"/>
+                <a:sym typeface="Arial"/>
               </a:defRPr>
             </a:pPr>
             <a:r>
@@ -36379,8 +36374,8 @@
         </p:nvSpPr>
         <p:spPr>
           <a:xfrm>
-            <a:off x="613798" y="2609891"/>
-            <a:ext cx="1868814" cy="218441"/>
+            <a:off x="639363" y="2835721"/>
+            <a:ext cx="1777260" cy="293766"/>
           </a:xfrm>
           <a:prstGeom prst="rect">
             <a:avLst/>
@@ -36400,9 +36395,9 @@
           </a:bodyPr>
           <a:lstStyle/>
           <a:p>
-            <a:pPr marL="457200" indent="-317500" defTabSz="457200">
+            <a:pPr marL="527755" indent="-388055" defTabSz="457200">
               <a:lnSpc>
-                <a:spcPts val="2300"/>
+                <a:spcPts val="1700"/>
               </a:lnSpc>
               <a:spcBef>
                 <a:spcPts val="0"/>
@@ -36413,14 +36408,14 @@
               <a:buSzPct val="100000"/>
               <a:buFont typeface="Menlo"/>
               <a:buChar char="•"/>
-              <a:defRPr b="0" sz="900">
-                <a:solidFill>
-                  <a:srgbClr val="3F6E74"/>
-                </a:solidFill>
-                <a:latin typeface="Menlo"/>
-                <a:ea typeface="Menlo"/>
-                <a:cs typeface="Menlo"/>
-                <a:sym typeface="Menlo"/>
+              <a:defRPr b="0" sz="1100">
+                <a:solidFill>
+                  <a:srgbClr val="5C2699"/>
+                </a:solidFill>
+                <a:latin typeface="Arial"/>
+                <a:ea typeface="Arial"/>
+                <a:cs typeface="Arial"/>
+                <a:sym typeface="Arial"/>
               </a:defRPr>
             </a:pPr>
             <a:r>
@@ -36472,8 +36467,8 @@
         </p:nvSpPr>
         <p:spPr>
           <a:xfrm>
-            <a:off x="592493" y="3008184"/>
-            <a:ext cx="3726804" cy="383541"/>
+            <a:off x="643624" y="3170100"/>
+            <a:ext cx="3757275" cy="509666"/>
           </a:xfrm>
           <a:prstGeom prst="rect">
             <a:avLst/>
@@ -36493,9 +36488,9 @@
           </a:bodyPr>
           <a:lstStyle/>
           <a:p>
-            <a:pPr marL="457200" indent="-317500" defTabSz="457200">
+            <a:pPr marL="527755" indent="-388055" defTabSz="457200">
               <a:lnSpc>
-                <a:spcPts val="2300"/>
+                <a:spcPts val="1700"/>
               </a:lnSpc>
               <a:spcBef>
                 <a:spcPts val="0"/>
@@ -36506,14 +36501,14 @@
               <a:buSzPct val="100000"/>
               <a:buFont typeface="Menlo"/>
               <a:buChar char="•"/>
-              <a:defRPr b="0" sz="900">
-                <a:solidFill>
-                  <a:srgbClr val="3F6E74"/>
-                </a:solidFill>
-                <a:latin typeface="Menlo"/>
-                <a:ea typeface="Menlo"/>
-                <a:cs typeface="Menlo"/>
-                <a:sym typeface="Menlo"/>
+              <a:defRPr b="0" sz="1100">
+                <a:solidFill>
+                  <a:srgbClr val="5C2699"/>
+                </a:solidFill>
+                <a:latin typeface="Arial"/>
+                <a:ea typeface="Arial"/>
+                <a:cs typeface="Arial"/>
+                <a:sym typeface="Arial"/>
               </a:defRPr>
             </a:pPr>
             <a:r>
@@ -36575,9 +36570,9 @@
             </a:endParaRPr>
           </a:p>
           <a:p>
-            <a:pPr marL="457200" indent="-317500" defTabSz="457200">
+            <a:pPr marL="527755" indent="-388055" defTabSz="457200">
               <a:lnSpc>
-                <a:spcPts val="2300"/>
+                <a:spcPts val="1700"/>
               </a:lnSpc>
               <a:spcBef>
                 <a:spcPts val="0"/>
@@ -36588,14 +36583,14 @@
               <a:buSzPct val="100000"/>
               <a:buFont typeface="Menlo"/>
               <a:buChar char="•"/>
-              <a:defRPr b="0" sz="900">
-                <a:solidFill>
-                  <a:srgbClr val="007400"/>
-                </a:solidFill>
-                <a:latin typeface="Menlo"/>
-                <a:ea typeface="Menlo"/>
-                <a:cs typeface="Menlo"/>
-                <a:sym typeface="Menlo"/>
+              <a:defRPr b="0" sz="1100">
+                <a:solidFill>
+                  <a:srgbClr val="5C2699"/>
+                </a:solidFill>
+                <a:latin typeface="Arial"/>
+                <a:ea typeface="Arial"/>
+                <a:cs typeface="Arial"/>
+                <a:sym typeface="Arial"/>
               </a:defRPr>
             </a:pPr>
             <a:r>
@@ -36612,8 +36607,8 @@
         </p:nvSpPr>
         <p:spPr>
           <a:xfrm>
-            <a:off x="618059" y="3571578"/>
-            <a:ext cx="4414947" cy="1209041"/>
+            <a:off x="4695788" y="1213898"/>
+            <a:ext cx="4018531" cy="1589165"/>
           </a:xfrm>
           <a:prstGeom prst="rect">
             <a:avLst/>
@@ -36633,9 +36628,9 @@
           </a:bodyPr>
           <a:lstStyle/>
           <a:p>
-            <a:pPr marL="457200" indent="-317500" defTabSz="457200">
+            <a:pPr marL="527755" indent="-388055" defTabSz="457200">
               <a:lnSpc>
-                <a:spcPts val="2300"/>
+                <a:spcPts val="1700"/>
               </a:lnSpc>
               <a:spcBef>
                 <a:spcPts val="0"/>
@@ -36646,14 +36641,14 @@
               <a:buSzPct val="100000"/>
               <a:buFont typeface="Menlo"/>
               <a:buChar char="•"/>
-              <a:defRPr b="0" sz="900">
-                <a:solidFill>
-                  <a:srgbClr val="3F6E74"/>
-                </a:solidFill>
-                <a:latin typeface="Menlo"/>
-                <a:ea typeface="Menlo"/>
-                <a:cs typeface="Menlo"/>
-                <a:sym typeface="Menlo"/>
+              <a:defRPr b="0" sz="1100">
+                <a:solidFill>
+                  <a:srgbClr val="5C2699"/>
+                </a:solidFill>
+                <a:latin typeface="Arial"/>
+                <a:ea typeface="Arial"/>
+                <a:cs typeface="Arial"/>
+                <a:sym typeface="Arial"/>
               </a:defRPr>
             </a:pPr>
             <a:r>
@@ -36739,9 +36734,9 @@
             </a:endParaRPr>
           </a:p>
           <a:p>
-            <a:pPr marL="457200" indent="-317500" defTabSz="457200">
+            <a:pPr marL="527755" indent="-388055" defTabSz="457200">
               <a:lnSpc>
-                <a:spcPts val="2300"/>
+                <a:spcPts val="1700"/>
               </a:lnSpc>
               <a:spcBef>
                 <a:spcPts val="0"/>
@@ -36752,14 +36747,14 @@
               <a:buSzPct val="100000"/>
               <a:buFont typeface="Menlo"/>
               <a:buChar char="•"/>
-              <a:defRPr b="0" sz="900">
-                <a:solidFill>
-                  <a:srgbClr val="C41A16"/>
-                </a:solidFill>
-                <a:latin typeface="Menlo"/>
-                <a:ea typeface="Menlo"/>
-                <a:cs typeface="Menlo"/>
-                <a:sym typeface="Menlo"/>
+              <a:defRPr b="0" sz="1100">
+                <a:solidFill>
+                  <a:srgbClr val="5C2699"/>
+                </a:solidFill>
+                <a:latin typeface="Arial"/>
+                <a:ea typeface="Arial"/>
+                <a:cs typeface="Arial"/>
+                <a:sym typeface="Arial"/>
               </a:defRPr>
             </a:pPr>
             <a:r>
@@ -36831,9 +36826,9 @@
             </a:endParaRPr>
           </a:p>
           <a:p>
-            <a:pPr marL="457200" indent="-317500" defTabSz="457200">
+            <a:pPr marL="527755" indent="-388055" defTabSz="457200">
               <a:lnSpc>
-                <a:spcPts val="2300"/>
+                <a:spcPts val="1700"/>
               </a:lnSpc>
               <a:spcBef>
                 <a:spcPts val="0"/>
@@ -36844,14 +36839,14 @@
               <a:buSzPct val="100000"/>
               <a:buFont typeface="Menlo"/>
               <a:buChar char="•"/>
-              <a:defRPr b="0" sz="900">
-                <a:solidFill>
-                  <a:srgbClr val="333333"/>
-                </a:solidFill>
-                <a:latin typeface="Menlo"/>
-                <a:ea typeface="Menlo"/>
-                <a:cs typeface="Menlo"/>
-                <a:sym typeface="Menlo"/>
+              <a:defRPr b="0" sz="1100">
+                <a:solidFill>
+                  <a:srgbClr val="5C2699"/>
+                </a:solidFill>
+                <a:latin typeface="Arial"/>
+                <a:ea typeface="Arial"/>
+                <a:cs typeface="Arial"/>
+                <a:sym typeface="Arial"/>
               </a:defRPr>
             </a:pPr>
             <a:r>
@@ -36870,9 +36865,9 @@
             </a:r>
           </a:p>
           <a:p>
-            <a:pPr marL="457200" indent="-317500" defTabSz="457200">
+            <a:pPr marL="527755" indent="-388055" defTabSz="457200">
               <a:lnSpc>
-                <a:spcPts val="2300"/>
+                <a:spcPts val="1700"/>
               </a:lnSpc>
               <a:spcBef>
                 <a:spcPts val="0"/>
@@ -36883,14 +36878,14 @@
               <a:buSzPct val="100000"/>
               <a:buFont typeface="Menlo"/>
               <a:buChar char="•"/>
-              <a:defRPr b="0" sz="900">
-                <a:solidFill>
-                  <a:srgbClr val="C41A16"/>
-                </a:solidFill>
-                <a:latin typeface="Menlo"/>
-                <a:ea typeface="Menlo"/>
-                <a:cs typeface="Menlo"/>
-                <a:sym typeface="Menlo"/>
+              <a:defRPr b="0" sz="1100">
+                <a:solidFill>
+                  <a:srgbClr val="5C2699"/>
+                </a:solidFill>
+                <a:latin typeface="Arial"/>
+                <a:ea typeface="Arial"/>
+                <a:cs typeface="Arial"/>
+                <a:sym typeface="Arial"/>
               </a:defRPr>
             </a:pPr>
             <a:r>
@@ -36935,9 +36930,9 @@
             </a:endParaRPr>
           </a:p>
           <a:p>
-            <a:pPr marL="457200" indent="-317500" defTabSz="457200">
+            <a:pPr marL="527755" indent="-388055" defTabSz="457200">
               <a:lnSpc>
-                <a:spcPts val="2300"/>
+                <a:spcPts val="1700"/>
               </a:lnSpc>
               <a:spcBef>
                 <a:spcPts val="0"/>
@@ -36948,14 +36943,14 @@
               <a:buSzPct val="100000"/>
               <a:buFont typeface="Menlo"/>
               <a:buChar char="•"/>
-              <a:defRPr b="0" sz="900">
-                <a:solidFill>
-                  <a:srgbClr val="333333"/>
-                </a:solidFill>
-                <a:latin typeface="Menlo"/>
-                <a:ea typeface="Menlo"/>
-                <a:cs typeface="Menlo"/>
-                <a:sym typeface="Menlo"/>
+              <a:defRPr b="0" sz="1100">
+                <a:solidFill>
+                  <a:srgbClr val="5C2699"/>
+                </a:solidFill>
+                <a:latin typeface="Arial"/>
+                <a:ea typeface="Arial"/>
+                <a:cs typeface="Arial"/>
+                <a:sym typeface="Arial"/>
               </a:defRPr>
             </a:pPr>
             <a:r>
@@ -36963,9 +36958,9 @@
             </a:r>
           </a:p>
           <a:p>
-            <a:pPr marL="457200" indent="-317500" defTabSz="457200">
+            <a:pPr marL="527755" indent="-388055" defTabSz="457200">
               <a:lnSpc>
-                <a:spcPts val="2300"/>
+                <a:spcPts val="1700"/>
               </a:lnSpc>
               <a:spcBef>
                 <a:spcPts val="0"/>
@@ -36976,14 +36971,14 @@
               <a:buSzPct val="100000"/>
               <a:buFont typeface="Menlo"/>
               <a:buChar char="•"/>
-              <a:defRPr b="0" sz="900">
-                <a:solidFill>
-                  <a:srgbClr val="007400"/>
-                </a:solidFill>
-                <a:latin typeface="Menlo"/>
-                <a:ea typeface="Menlo"/>
-                <a:cs typeface="Menlo"/>
-                <a:sym typeface="Menlo"/>
+              <a:defRPr b="0" sz="1100">
+                <a:solidFill>
+                  <a:srgbClr val="5C2699"/>
+                </a:solidFill>
+                <a:latin typeface="Arial"/>
+                <a:ea typeface="Arial"/>
+                <a:cs typeface="Arial"/>
+                <a:sym typeface="Arial"/>
               </a:defRPr>
             </a:pPr>
             <a:r>
@@ -37141,7 +37136,7 @@
         <p:spPr>
           <a:xfrm>
             <a:off x="772957" y="1127252"/>
-            <a:ext cx="2030944" cy="218441"/>
+            <a:ext cx="1925152" cy="293766"/>
           </a:xfrm>
           <a:prstGeom prst="rect">
             <a:avLst/>
@@ -37163,19 +37158,19 @@
           <a:p>
             <a:pPr defTabSz="457200">
               <a:lnSpc>
-                <a:spcPts val="2300"/>
+                <a:spcPts val="1700"/>
               </a:lnSpc>
               <a:spcBef>
                 <a:spcPts val="0"/>
               </a:spcBef>
-              <a:defRPr b="0" sz="900">
-                <a:solidFill>
-                  <a:srgbClr val="3F6E74"/>
-                </a:solidFill>
-                <a:latin typeface="Menlo"/>
-                <a:ea typeface="Menlo"/>
-                <a:cs typeface="Menlo"/>
-                <a:sym typeface="Menlo"/>
+              <a:defRPr b="0" sz="1100">
+                <a:solidFill>
+                  <a:srgbClr val="5C2699"/>
+                </a:solidFill>
+                <a:latin typeface="Arial"/>
+                <a:ea typeface="Arial"/>
+                <a:cs typeface="Arial"/>
+                <a:sym typeface="Arial"/>
               </a:defRPr>
             </a:pPr>
             <a:r>
@@ -37222,8 +37217,8 @@
         </p:nvSpPr>
         <p:spPr>
           <a:xfrm>
-            <a:off x="622320" y="1449625"/>
-            <a:ext cx="4414947" cy="1209041"/>
+            <a:off x="622320" y="1572125"/>
+            <a:ext cx="4018530" cy="1589165"/>
           </a:xfrm>
           <a:prstGeom prst="rect">
             <a:avLst/>
@@ -37243,9 +37238,9 @@
           </a:bodyPr>
           <a:lstStyle/>
           <a:p>
-            <a:pPr marL="457200" indent="-317500" defTabSz="457200">
+            <a:pPr marL="527755" indent="-388055" defTabSz="457200">
               <a:lnSpc>
-                <a:spcPts val="2300"/>
+                <a:spcPts val="1700"/>
               </a:lnSpc>
               <a:spcBef>
                 <a:spcPts val="0"/>
@@ -37256,14 +37251,14 @@
               <a:buSzPct val="100000"/>
               <a:buFont typeface="Menlo"/>
               <a:buChar char="•"/>
-              <a:defRPr b="0" sz="900">
-                <a:solidFill>
-                  <a:srgbClr val="3F6E74"/>
-                </a:solidFill>
-                <a:latin typeface="Menlo"/>
-                <a:ea typeface="Menlo"/>
-                <a:cs typeface="Menlo"/>
-                <a:sym typeface="Menlo"/>
+              <a:defRPr b="0" sz="1100">
+                <a:solidFill>
+                  <a:srgbClr val="5C2699"/>
+                </a:solidFill>
+                <a:latin typeface="Arial"/>
+                <a:ea typeface="Arial"/>
+                <a:cs typeface="Arial"/>
+                <a:sym typeface="Arial"/>
               </a:defRPr>
             </a:pPr>
             <a:r>
@@ -37349,9 +37344,9 @@
             </a:endParaRPr>
           </a:p>
           <a:p>
-            <a:pPr marL="457200" indent="-317500" defTabSz="457200">
+            <a:pPr marL="527755" indent="-388055" defTabSz="457200">
               <a:lnSpc>
-                <a:spcPts val="2300"/>
+                <a:spcPts val="1700"/>
               </a:lnSpc>
               <a:spcBef>
                 <a:spcPts val="0"/>
@@ -37362,14 +37357,14 @@
               <a:buSzPct val="100000"/>
               <a:buFont typeface="Menlo"/>
               <a:buChar char="•"/>
-              <a:defRPr b="0" sz="900">
-                <a:solidFill>
-                  <a:srgbClr val="C41A16"/>
-                </a:solidFill>
-                <a:latin typeface="Menlo"/>
-                <a:ea typeface="Menlo"/>
-                <a:cs typeface="Menlo"/>
-                <a:sym typeface="Menlo"/>
+              <a:defRPr b="0" sz="1100">
+                <a:solidFill>
+                  <a:srgbClr val="5C2699"/>
+                </a:solidFill>
+                <a:latin typeface="Arial"/>
+                <a:ea typeface="Arial"/>
+                <a:cs typeface="Arial"/>
+                <a:sym typeface="Arial"/>
               </a:defRPr>
             </a:pPr>
             <a:r>
@@ -37441,9 +37436,9 @@
             </a:endParaRPr>
           </a:p>
           <a:p>
-            <a:pPr marL="457200" indent="-317500" defTabSz="457200">
+            <a:pPr marL="527755" indent="-388055" defTabSz="457200">
               <a:lnSpc>
-                <a:spcPts val="2300"/>
+                <a:spcPts val="1700"/>
               </a:lnSpc>
               <a:spcBef>
                 <a:spcPts val="0"/>
@@ -37454,14 +37449,14 @@
               <a:buSzPct val="100000"/>
               <a:buFont typeface="Menlo"/>
               <a:buChar char="•"/>
-              <a:defRPr b="0" sz="900">
-                <a:solidFill>
-                  <a:srgbClr val="333333"/>
-                </a:solidFill>
-                <a:latin typeface="Menlo"/>
-                <a:ea typeface="Menlo"/>
-                <a:cs typeface="Menlo"/>
-                <a:sym typeface="Menlo"/>
+              <a:defRPr b="0" sz="1100">
+                <a:solidFill>
+                  <a:srgbClr val="5C2699"/>
+                </a:solidFill>
+                <a:latin typeface="Arial"/>
+                <a:ea typeface="Arial"/>
+                <a:cs typeface="Arial"/>
+                <a:sym typeface="Arial"/>
               </a:defRPr>
             </a:pPr>
             <a:r>
@@ -37480,9 +37475,9 @@
             </a:r>
           </a:p>
           <a:p>
-            <a:pPr marL="457200" indent="-317500" defTabSz="457200">
+            <a:pPr marL="527755" indent="-388055" defTabSz="457200">
               <a:lnSpc>
-                <a:spcPts val="2300"/>
+                <a:spcPts val="1700"/>
               </a:lnSpc>
               <a:spcBef>
                 <a:spcPts val="0"/>
@@ -37493,14 +37488,14 @@
               <a:buSzPct val="100000"/>
               <a:buFont typeface="Menlo"/>
               <a:buChar char="•"/>
-              <a:defRPr b="0" sz="900">
-                <a:solidFill>
-                  <a:srgbClr val="C41A16"/>
-                </a:solidFill>
-                <a:latin typeface="Menlo"/>
-                <a:ea typeface="Menlo"/>
-                <a:cs typeface="Menlo"/>
-                <a:sym typeface="Menlo"/>
+              <a:defRPr b="0" sz="1100">
+                <a:solidFill>
+                  <a:srgbClr val="5C2699"/>
+                </a:solidFill>
+                <a:latin typeface="Arial"/>
+                <a:ea typeface="Arial"/>
+                <a:cs typeface="Arial"/>
+                <a:sym typeface="Arial"/>
               </a:defRPr>
             </a:pPr>
             <a:r>
@@ -37545,9 +37540,9 @@
             </a:endParaRPr>
           </a:p>
           <a:p>
-            <a:pPr marL="457200" indent="-317500" defTabSz="457200">
+            <a:pPr marL="527755" indent="-388055" defTabSz="457200">
               <a:lnSpc>
-                <a:spcPts val="2300"/>
+                <a:spcPts val="1700"/>
               </a:lnSpc>
               <a:spcBef>
                 <a:spcPts val="0"/>
@@ -37558,14 +37553,14 @@
               <a:buSzPct val="100000"/>
               <a:buFont typeface="Menlo"/>
               <a:buChar char="•"/>
-              <a:defRPr b="0" sz="900">
-                <a:solidFill>
-                  <a:srgbClr val="333333"/>
-                </a:solidFill>
-                <a:latin typeface="Menlo"/>
-                <a:ea typeface="Menlo"/>
-                <a:cs typeface="Menlo"/>
-                <a:sym typeface="Menlo"/>
+              <a:defRPr b="0" sz="1100">
+                <a:solidFill>
+                  <a:srgbClr val="5C2699"/>
+                </a:solidFill>
+                <a:latin typeface="Arial"/>
+                <a:ea typeface="Arial"/>
+                <a:cs typeface="Arial"/>
+                <a:sym typeface="Arial"/>
               </a:defRPr>
             </a:pPr>
             <a:r>
@@ -37573,9 +37568,9 @@
             </a:r>
           </a:p>
           <a:p>
-            <a:pPr marL="457200" indent="-317500" defTabSz="457200">
+            <a:pPr marL="527755" indent="-388055" defTabSz="457200">
               <a:lnSpc>
-                <a:spcPts val="2300"/>
+                <a:spcPts val="1700"/>
               </a:lnSpc>
               <a:spcBef>
                 <a:spcPts val="0"/>
@@ -37586,14 +37581,14 @@
               <a:buSzPct val="100000"/>
               <a:buFont typeface="Menlo"/>
               <a:buChar char="•"/>
-              <a:defRPr b="0" sz="900">
-                <a:solidFill>
-                  <a:srgbClr val="007400"/>
-                </a:solidFill>
-                <a:latin typeface="Menlo"/>
-                <a:ea typeface="Menlo"/>
-                <a:cs typeface="Menlo"/>
-                <a:sym typeface="Menlo"/>
+              <a:defRPr b="0" sz="1100">
+                <a:solidFill>
+                  <a:srgbClr val="5C2699"/>
+                </a:solidFill>
+                <a:latin typeface="Arial"/>
+                <a:ea typeface="Arial"/>
+                <a:cs typeface="Arial"/>
+                <a:sym typeface="Arial"/>
               </a:defRPr>
             </a:pPr>
             <a:r>
@@ -37751,7 +37746,7 @@
         <p:spPr>
           <a:xfrm>
             <a:off x="647885" y="1129266"/>
-            <a:ext cx="2625773" cy="548641"/>
+            <a:ext cx="2479989" cy="725566"/>
           </a:xfrm>
           <a:prstGeom prst="rect">
             <a:avLst/>
@@ -37771,9 +37766,9 @@
           </a:bodyPr>
           <a:lstStyle/>
           <a:p>
-            <a:pPr marL="457200" indent="-317500" defTabSz="457200">
+            <a:pPr marL="527755" indent="-388055" defTabSz="457200">
               <a:lnSpc>
-                <a:spcPts val="2300"/>
+                <a:spcPts val="1700"/>
               </a:lnSpc>
               <a:spcBef>
                 <a:spcPts val="0"/>
@@ -37784,14 +37779,14 @@
               <a:buSzPct val="100000"/>
               <a:buFont typeface="Menlo"/>
               <a:buChar char="•"/>
-              <a:defRPr b="0" sz="900">
-                <a:solidFill>
-                  <a:srgbClr val="AA0D91"/>
-                </a:solidFill>
-                <a:latin typeface="Menlo"/>
-                <a:ea typeface="Menlo"/>
-                <a:cs typeface="Menlo"/>
-                <a:sym typeface="Menlo"/>
+              <a:defRPr b="0" sz="1100">
+                <a:solidFill>
+                  <a:srgbClr val="5C2699"/>
+                </a:solidFill>
+                <a:latin typeface="Arial"/>
+                <a:ea typeface="Arial"/>
+                <a:cs typeface="Arial"/>
+                <a:sym typeface="Arial"/>
               </a:defRPr>
             </a:pPr>
             <a:r>
@@ -37828,9 +37823,9 @@
             </a:endParaRPr>
           </a:p>
           <a:p>
-            <a:pPr marL="457200" indent="-317500" defTabSz="457200">
+            <a:pPr marL="527755" indent="-388055" defTabSz="457200">
               <a:lnSpc>
-                <a:spcPts val="2300"/>
+                <a:spcPts val="1700"/>
               </a:lnSpc>
               <a:spcBef>
                 <a:spcPts val="0"/>
@@ -37841,14 +37836,14 @@
               <a:buSzPct val="100000"/>
               <a:buFont typeface="Menlo"/>
               <a:buChar char="•"/>
-              <a:defRPr b="0" sz="900">
-                <a:solidFill>
-                  <a:srgbClr val="3F6E74"/>
-                </a:solidFill>
-                <a:latin typeface="Menlo"/>
-                <a:ea typeface="Menlo"/>
-                <a:cs typeface="Menlo"/>
-                <a:sym typeface="Menlo"/>
+              <a:defRPr b="0" sz="1100">
+                <a:solidFill>
+                  <a:srgbClr val="5C2699"/>
+                </a:solidFill>
+                <a:latin typeface="Arial"/>
+                <a:ea typeface="Arial"/>
+                <a:cs typeface="Arial"/>
+                <a:sym typeface="Arial"/>
               </a:defRPr>
             </a:pPr>
             <a:r>
@@ -37887,11 +37882,6 @@
               <a:t>: </a:t>
             </a:r>
             <a:r>
-              <a:rPr>
-                <a:solidFill>
-                  <a:srgbClr val="5C2699"/>
-                </a:solidFill>
-              </a:rPr>
               <a:t>Residence</a:t>
             </a:r>
             <a:r>
@@ -37909,9 +37899,9 @@
             </a:endParaRPr>
           </a:p>
           <a:p>
-            <a:pPr marL="457200" indent="-317500" defTabSz="457200">
+            <a:pPr marL="527755" indent="-388055" defTabSz="457200">
               <a:lnSpc>
-                <a:spcPts val="2300"/>
+                <a:spcPts val="1700"/>
               </a:lnSpc>
               <a:spcBef>
                 <a:spcPts val="0"/>
@@ -37922,14 +37912,14 @@
               <a:buSzPct val="100000"/>
               <a:buFont typeface="Menlo"/>
               <a:buChar char="•"/>
-              <a:defRPr b="0" sz="900">
-                <a:solidFill>
-                  <a:srgbClr val="333333"/>
-                </a:solidFill>
-                <a:latin typeface="Menlo"/>
-                <a:ea typeface="Menlo"/>
-                <a:cs typeface="Menlo"/>
-                <a:sym typeface="Menlo"/>
+              <a:defRPr b="0" sz="1100">
+                <a:solidFill>
+                  <a:srgbClr val="5C2699"/>
+                </a:solidFill>
+                <a:latin typeface="Arial"/>
+                <a:ea typeface="Arial"/>
+                <a:cs typeface="Arial"/>
+                <a:sym typeface="Arial"/>
               </a:defRPr>
             </a:pPr>
             <a:r>
@@ -37946,8 +37936,8 @@
         </p:nvSpPr>
         <p:spPr>
           <a:xfrm>
-            <a:off x="745887" y="1831028"/>
-            <a:ext cx="4483762" cy="3190241"/>
+            <a:off x="3413242" y="1055535"/>
+            <a:ext cx="4154683" cy="3964065"/>
           </a:xfrm>
           <a:prstGeom prst="rect">
             <a:avLst/>
@@ -37967,9 +37957,9 @@
           </a:bodyPr>
           <a:lstStyle/>
           <a:p>
-            <a:pPr marL="457200" indent="-317500" defTabSz="457200">
+            <a:pPr marL="527755" indent="-388055" defTabSz="457200">
               <a:lnSpc>
-                <a:spcPts val="2300"/>
+                <a:spcPts val="1700"/>
               </a:lnSpc>
               <a:spcBef>
                 <a:spcPts val="0"/>
@@ -37980,14 +37970,14 @@
               <a:buSzPct val="100000"/>
               <a:buFont typeface="Menlo"/>
               <a:buChar char="•"/>
-              <a:defRPr b="0" sz="900">
-                <a:solidFill>
-                  <a:srgbClr val="3F6E74"/>
-                </a:solidFill>
-                <a:latin typeface="Menlo"/>
-                <a:ea typeface="Menlo"/>
-                <a:cs typeface="Menlo"/>
-                <a:sym typeface="Menlo"/>
+              <a:defRPr b="0" sz="1100">
+                <a:solidFill>
+                  <a:srgbClr val="5C2699"/>
+                </a:solidFill>
+                <a:latin typeface="Arial"/>
+                <a:ea typeface="Arial"/>
+                <a:cs typeface="Arial"/>
+                <a:sym typeface="Arial"/>
               </a:defRPr>
             </a:pPr>
             <a:r>
@@ -38024,9 +38014,9 @@
             </a:endParaRPr>
           </a:p>
           <a:p>
-            <a:pPr marL="457200" indent="-317500" defTabSz="457200">
+            <a:pPr marL="527755" indent="-388055" defTabSz="457200">
               <a:lnSpc>
-                <a:spcPts val="2300"/>
+                <a:spcPts val="1700"/>
               </a:lnSpc>
               <a:spcBef>
                 <a:spcPts val="0"/>
@@ -38037,14 +38027,14 @@
               <a:buSzPct val="100000"/>
               <a:buFont typeface="Menlo"/>
               <a:buChar char="•"/>
-              <a:defRPr b="0" sz="900">
-                <a:solidFill>
-                  <a:srgbClr val="333333"/>
-                </a:solidFill>
-                <a:latin typeface="Menlo"/>
-                <a:ea typeface="Menlo"/>
-                <a:cs typeface="Menlo"/>
-                <a:sym typeface="Menlo"/>
+              <a:defRPr b="0" sz="1100">
+                <a:solidFill>
+                  <a:srgbClr val="5C2699"/>
+                </a:solidFill>
+                <a:latin typeface="Arial"/>
+                <a:ea typeface="Arial"/>
+                <a:cs typeface="Arial"/>
+                <a:sym typeface="Arial"/>
               </a:defRPr>
             </a:pPr>
             <a:r>
@@ -38085,9 +38075,9 @@
             </a:r>
           </a:p>
           <a:p>
-            <a:pPr marL="457200" indent="-317500" defTabSz="457200">
+            <a:pPr marL="527755" indent="-388055" defTabSz="457200">
               <a:lnSpc>
-                <a:spcPts val="2300"/>
+                <a:spcPts val="1700"/>
               </a:lnSpc>
               <a:spcBef>
                 <a:spcPts val="0"/>
@@ -38098,14 +38088,14 @@
               <a:buSzPct val="100000"/>
               <a:buFont typeface="Menlo"/>
               <a:buChar char="•"/>
-              <a:defRPr b="0" sz="900">
-                <a:solidFill>
-                  <a:srgbClr val="3F6E74"/>
-                </a:solidFill>
-                <a:latin typeface="Menlo"/>
-                <a:ea typeface="Menlo"/>
-                <a:cs typeface="Menlo"/>
-                <a:sym typeface="Menlo"/>
+              <a:defRPr b="0" sz="1100">
+                <a:solidFill>
+                  <a:srgbClr val="5C2699"/>
+                </a:solidFill>
+                <a:latin typeface="Arial"/>
+                <a:ea typeface="Arial"/>
+                <a:cs typeface="Arial"/>
+                <a:sym typeface="Arial"/>
               </a:defRPr>
             </a:pPr>
             <a:r>
@@ -38144,11 +38134,6 @@
               <a:t>: </a:t>
             </a:r>
             <a:r>
-              <a:rPr>
-                <a:solidFill>
-                  <a:srgbClr val="5C2699"/>
-                </a:solidFill>
-              </a:rPr>
               <a:t>Int</a:t>
             </a:r>
             <a:r>
@@ -38166,9 +38151,9 @@
             </a:endParaRPr>
           </a:p>
           <a:p>
-            <a:pPr marL="457200" indent="-317500" defTabSz="457200">
+            <a:pPr marL="527755" indent="-388055" defTabSz="457200">
               <a:lnSpc>
-                <a:spcPts val="2300"/>
+                <a:spcPts val="1700"/>
               </a:lnSpc>
               <a:spcBef>
                 <a:spcPts val="0"/>
@@ -38179,14 +38164,14 @@
               <a:buSzPct val="100000"/>
               <a:buFont typeface="Menlo"/>
               <a:buChar char="•"/>
-              <a:defRPr b="0" sz="900">
-                <a:solidFill>
-                  <a:srgbClr val="333333"/>
-                </a:solidFill>
-                <a:latin typeface="Menlo"/>
-                <a:ea typeface="Menlo"/>
-                <a:cs typeface="Menlo"/>
-                <a:sym typeface="Menlo"/>
+              <a:defRPr b="0" sz="1100">
+                <a:solidFill>
+                  <a:srgbClr val="5C2699"/>
+                </a:solidFill>
+                <a:latin typeface="Arial"/>
+                <a:ea typeface="Arial"/>
+                <a:cs typeface="Arial"/>
+                <a:sym typeface="Arial"/>
               </a:defRPr>
             </a:pPr>
             <a:r>
@@ -38224,9 +38209,9 @@
             </a:r>
           </a:p>
           <a:p>
-            <a:pPr marL="457200" indent="-317500" defTabSz="457200">
+            <a:pPr marL="527755" indent="-388055" defTabSz="457200">
               <a:lnSpc>
-                <a:spcPts val="2300"/>
+                <a:spcPts val="1700"/>
               </a:lnSpc>
               <a:spcBef>
                 <a:spcPts val="0"/>
@@ -38237,14 +38222,14 @@
               <a:buSzPct val="100000"/>
               <a:buFont typeface="Menlo"/>
               <a:buChar char="•"/>
-              <a:defRPr b="0" sz="900">
-                <a:solidFill>
-                  <a:srgbClr val="333333"/>
-                </a:solidFill>
-                <a:latin typeface="Menlo"/>
-                <a:ea typeface="Menlo"/>
-                <a:cs typeface="Menlo"/>
-                <a:sym typeface="Menlo"/>
+              <a:defRPr b="0" sz="1100">
+                <a:solidFill>
+                  <a:srgbClr val="5C2699"/>
+                </a:solidFill>
+                <a:latin typeface="Arial"/>
+                <a:ea typeface="Arial"/>
+                <a:cs typeface="Arial"/>
+                <a:sym typeface="Arial"/>
               </a:defRPr>
             </a:pPr>
             <a:r>
@@ -38252,9 +38237,9 @@
             </a:r>
           </a:p>
           <a:p>
-            <a:pPr marL="457200" indent="-317500" defTabSz="457200">
+            <a:pPr marL="527755" indent="-388055" defTabSz="457200">
               <a:lnSpc>
-                <a:spcPts val="2300"/>
+                <a:spcPts val="1700"/>
               </a:lnSpc>
               <a:spcBef>
                 <a:spcPts val="0"/>
@@ -38265,14 +38250,14 @@
               <a:buSzPct val="100000"/>
               <a:buFont typeface="Menlo"/>
               <a:buChar char="•"/>
-              <a:defRPr b="0" sz="900">
-                <a:solidFill>
-                  <a:srgbClr val="AA0D91"/>
-                </a:solidFill>
-                <a:latin typeface="Menlo"/>
-                <a:ea typeface="Menlo"/>
-                <a:cs typeface="Menlo"/>
-                <a:sym typeface="Menlo"/>
+              <a:defRPr b="0" sz="1100">
+                <a:solidFill>
+                  <a:srgbClr val="5C2699"/>
+                </a:solidFill>
+                <a:latin typeface="Arial"/>
+                <a:ea typeface="Arial"/>
+                <a:cs typeface="Arial"/>
+                <a:sym typeface="Arial"/>
               </a:defRPr>
             </a:pPr>
             <a:r>
@@ -38311,11 +38296,6 @@
               <a:t>: </a:t>
             </a:r>
             <a:r>
-              <a:rPr>
-                <a:solidFill>
-                  <a:srgbClr val="5C2699"/>
-                </a:solidFill>
-              </a:rPr>
               <a:t>Int</a:t>
             </a:r>
             <a:r>
@@ -38327,11 +38307,6 @@
               <a:t>) -&gt; </a:t>
             </a:r>
             <a:r>
-              <a:rPr>
-                <a:solidFill>
-                  <a:srgbClr val="5C2699"/>
-                </a:solidFill>
-              </a:rPr>
               <a:t>Room</a:t>
             </a:r>
             <a:r>
@@ -38349,9 +38324,9 @@
             </a:endParaRPr>
           </a:p>
           <a:p>
-            <a:pPr marL="457200" indent="-317500" defTabSz="457200">
+            <a:pPr marL="527755" indent="-388055" defTabSz="457200">
               <a:lnSpc>
-                <a:spcPts val="2300"/>
+                <a:spcPts val="1700"/>
               </a:lnSpc>
               <a:spcBef>
                 <a:spcPts val="0"/>
@@ -38362,14 +38337,14 @@
               <a:buSzPct val="100000"/>
               <a:buFont typeface="Menlo"/>
               <a:buChar char="•"/>
-              <a:defRPr b="0" sz="900">
-                <a:solidFill>
-                  <a:srgbClr val="333333"/>
-                </a:solidFill>
-                <a:latin typeface="Menlo"/>
-                <a:ea typeface="Menlo"/>
-                <a:cs typeface="Menlo"/>
-                <a:sym typeface="Menlo"/>
+              <a:defRPr b="0" sz="1100">
+                <a:solidFill>
+                  <a:srgbClr val="5C2699"/>
+                </a:solidFill>
+                <a:latin typeface="Arial"/>
+                <a:ea typeface="Arial"/>
+                <a:cs typeface="Arial"/>
+                <a:sym typeface="Arial"/>
               </a:defRPr>
             </a:pPr>
             <a:r>
@@ -38388,9 +38363,9 @@
             </a:r>
           </a:p>
           <a:p>
-            <a:pPr marL="457200" indent="-317500" defTabSz="457200">
+            <a:pPr marL="527755" indent="-388055" defTabSz="457200">
               <a:lnSpc>
-                <a:spcPts val="2300"/>
+                <a:spcPts val="1700"/>
               </a:lnSpc>
               <a:spcBef>
                 <a:spcPts val="0"/>
@@ -38401,14 +38376,14 @@
               <a:buSzPct val="100000"/>
               <a:buFont typeface="Menlo"/>
               <a:buChar char="•"/>
-              <a:defRPr b="0" sz="900">
-                <a:solidFill>
-                  <a:srgbClr val="333333"/>
-                </a:solidFill>
-                <a:latin typeface="Menlo"/>
-                <a:ea typeface="Menlo"/>
-                <a:cs typeface="Menlo"/>
-                <a:sym typeface="Menlo"/>
+              <a:defRPr b="0" sz="1100">
+                <a:solidFill>
+                  <a:srgbClr val="5C2699"/>
+                </a:solidFill>
+                <a:latin typeface="Arial"/>
+                <a:ea typeface="Arial"/>
+                <a:cs typeface="Arial"/>
+                <a:sym typeface="Arial"/>
               </a:defRPr>
             </a:pPr>
             <a:r>
@@ -38449,9 +38424,9 @@
             </a:r>
           </a:p>
           <a:p>
-            <a:pPr marL="457200" indent="-317500" defTabSz="457200">
+            <a:pPr marL="527755" indent="-388055" defTabSz="457200">
               <a:lnSpc>
-                <a:spcPts val="2300"/>
+                <a:spcPts val="1700"/>
               </a:lnSpc>
               <a:spcBef>
                 <a:spcPts val="0"/>
@@ -38462,14 +38437,14 @@
               <a:buSzPct val="100000"/>
               <a:buFont typeface="Menlo"/>
               <a:buChar char="•"/>
-              <a:defRPr b="0" sz="900">
-                <a:solidFill>
-                  <a:srgbClr val="333333"/>
-                </a:solidFill>
-                <a:latin typeface="Menlo"/>
-                <a:ea typeface="Menlo"/>
-                <a:cs typeface="Menlo"/>
-                <a:sym typeface="Menlo"/>
+              <a:defRPr b="0" sz="1100">
+                <a:solidFill>
+                  <a:srgbClr val="5C2699"/>
+                </a:solidFill>
+                <a:latin typeface="Arial"/>
+                <a:ea typeface="Arial"/>
+                <a:cs typeface="Arial"/>
+                <a:sym typeface="Arial"/>
               </a:defRPr>
             </a:pPr>
             <a:r>
@@ -38477,9 +38452,9 @@
             </a:r>
           </a:p>
           <a:p>
-            <a:pPr marL="457200" indent="-317500" defTabSz="457200">
+            <a:pPr marL="527755" indent="-388055" defTabSz="457200">
               <a:lnSpc>
-                <a:spcPts val="2300"/>
+                <a:spcPts val="1700"/>
               </a:lnSpc>
               <a:spcBef>
                 <a:spcPts val="0"/>
@@ -38490,14 +38465,14 @@
               <a:buSzPct val="100000"/>
               <a:buFont typeface="Menlo"/>
               <a:buChar char="•"/>
-              <a:defRPr b="0" sz="900">
-                <a:solidFill>
-                  <a:srgbClr val="333333"/>
-                </a:solidFill>
-                <a:latin typeface="Menlo"/>
-                <a:ea typeface="Menlo"/>
-                <a:cs typeface="Menlo"/>
-                <a:sym typeface="Menlo"/>
+              <a:defRPr b="0" sz="1100">
+                <a:solidFill>
+                  <a:srgbClr val="5C2699"/>
+                </a:solidFill>
+                <a:latin typeface="Arial"/>
+                <a:ea typeface="Arial"/>
+                <a:cs typeface="Arial"/>
+                <a:sym typeface="Arial"/>
               </a:defRPr>
             </a:pPr>
             <a:r>
@@ -38516,9 +38491,9 @@
             </a:r>
           </a:p>
           <a:p>
-            <a:pPr marL="457200" indent="-317500" defTabSz="457200">
+            <a:pPr marL="527755" indent="-388055" defTabSz="457200">
               <a:lnSpc>
-                <a:spcPts val="2300"/>
+                <a:spcPts val="1700"/>
               </a:lnSpc>
               <a:spcBef>
                 <a:spcPts val="0"/>
@@ -38529,14 +38504,14 @@
               <a:buSzPct val="100000"/>
               <a:buFont typeface="Menlo"/>
               <a:buChar char="•"/>
-              <a:defRPr b="0" sz="900">
-                <a:solidFill>
-                  <a:srgbClr val="333333"/>
-                </a:solidFill>
-                <a:latin typeface="Menlo"/>
-                <a:ea typeface="Menlo"/>
-                <a:cs typeface="Menlo"/>
-                <a:sym typeface="Menlo"/>
+              <a:defRPr b="0" sz="1100">
+                <a:solidFill>
+                  <a:srgbClr val="5C2699"/>
+                </a:solidFill>
+                <a:latin typeface="Arial"/>
+                <a:ea typeface="Arial"/>
+                <a:cs typeface="Arial"/>
+                <a:sym typeface="Arial"/>
               </a:defRPr>
             </a:pPr>
             <a:r>
@@ -38574,9 +38549,9 @@
             </a:r>
           </a:p>
           <a:p>
-            <a:pPr marL="457200" indent="-317500" defTabSz="457200">
+            <a:pPr marL="527755" indent="-388055" defTabSz="457200">
               <a:lnSpc>
-                <a:spcPts val="2300"/>
+                <a:spcPts val="1700"/>
               </a:lnSpc>
               <a:spcBef>
                 <a:spcPts val="0"/>
@@ -38587,14 +38562,14 @@
               <a:buSzPct val="100000"/>
               <a:buFont typeface="Menlo"/>
               <a:buChar char="•"/>
-              <a:defRPr b="0" sz="900">
-                <a:solidFill>
-                  <a:srgbClr val="333333"/>
-                </a:solidFill>
-                <a:latin typeface="Menlo"/>
-                <a:ea typeface="Menlo"/>
-                <a:cs typeface="Menlo"/>
-                <a:sym typeface="Menlo"/>
+              <a:defRPr b="0" sz="1100">
+                <a:solidFill>
+                  <a:srgbClr val="5C2699"/>
+                </a:solidFill>
+                <a:latin typeface="Arial"/>
+                <a:ea typeface="Arial"/>
+                <a:cs typeface="Arial"/>
+                <a:sym typeface="Arial"/>
               </a:defRPr>
             </a:pPr>
             <a:r>
@@ -38602,9 +38577,9 @@
             </a:r>
           </a:p>
           <a:p>
-            <a:pPr marL="457200" indent="-317500" defTabSz="457200">
+            <a:pPr marL="527755" indent="-388055" defTabSz="457200">
               <a:lnSpc>
-                <a:spcPts val="2300"/>
+                <a:spcPts val="1700"/>
               </a:lnSpc>
               <a:spcBef>
                 <a:spcPts val="0"/>
@@ -38615,14 +38590,14 @@
               <a:buSzPct val="100000"/>
               <a:buFont typeface="Menlo"/>
               <a:buChar char="•"/>
-              <a:defRPr b="0" sz="900">
-                <a:solidFill>
-                  <a:srgbClr val="333333"/>
-                </a:solidFill>
-                <a:latin typeface="Menlo"/>
-                <a:ea typeface="Menlo"/>
-                <a:cs typeface="Menlo"/>
-                <a:sym typeface="Menlo"/>
+              <a:defRPr b="0" sz="1100">
+                <a:solidFill>
+                  <a:srgbClr val="5C2699"/>
+                </a:solidFill>
+                <a:latin typeface="Arial"/>
+                <a:ea typeface="Arial"/>
+                <a:cs typeface="Arial"/>
+                <a:sym typeface="Arial"/>
               </a:defRPr>
             </a:pPr>
             <a:r>
@@ -38630,9 +38605,9 @@
             </a:r>
           </a:p>
           <a:p>
-            <a:pPr marL="457200" indent="-317500" defTabSz="457200">
+            <a:pPr marL="527755" indent="-388055" defTabSz="457200">
               <a:lnSpc>
-                <a:spcPts val="2300"/>
+                <a:spcPts val="1700"/>
               </a:lnSpc>
               <a:spcBef>
                 <a:spcPts val="0"/>
@@ -38643,14 +38618,14 @@
               <a:buSzPct val="100000"/>
               <a:buFont typeface="Menlo"/>
               <a:buChar char="•"/>
-              <a:defRPr b="0" sz="900">
-                <a:solidFill>
-                  <a:srgbClr val="3F6E74"/>
-                </a:solidFill>
-                <a:latin typeface="Menlo"/>
-                <a:ea typeface="Menlo"/>
-                <a:cs typeface="Menlo"/>
-                <a:sym typeface="Menlo"/>
+              <a:defRPr b="0" sz="1100">
+                <a:solidFill>
+                  <a:srgbClr val="5C2699"/>
+                </a:solidFill>
+                <a:latin typeface="Arial"/>
+                <a:ea typeface="Arial"/>
+                <a:cs typeface="Arial"/>
+                <a:sym typeface="Arial"/>
               </a:defRPr>
             </a:pPr>
             <a:r>
@@ -38695,9 +38670,9 @@
             </a:endParaRPr>
           </a:p>
           <a:p>
-            <a:pPr marL="457200" indent="-317500" defTabSz="457200">
+            <a:pPr marL="527755" indent="-388055" defTabSz="457200">
               <a:lnSpc>
-                <a:spcPts val="2300"/>
+                <a:spcPts val="1700"/>
               </a:lnSpc>
               <a:spcBef>
                 <a:spcPts val="0"/>
@@ -38708,14 +38683,14 @@
               <a:buSzPct val="100000"/>
               <a:buFont typeface="Menlo"/>
               <a:buChar char="•"/>
-              <a:defRPr b="0" sz="900">
-                <a:solidFill>
-                  <a:srgbClr val="C41A16"/>
-                </a:solidFill>
-                <a:latin typeface="Menlo"/>
-                <a:ea typeface="Menlo"/>
-                <a:cs typeface="Menlo"/>
-                <a:sym typeface="Menlo"/>
+              <a:defRPr b="0" sz="1100">
+                <a:solidFill>
+                  <a:srgbClr val="5C2699"/>
+                </a:solidFill>
+                <a:latin typeface="Arial"/>
+                <a:ea typeface="Arial"/>
+                <a:cs typeface="Arial"/>
+                <a:sym typeface="Arial"/>
               </a:defRPr>
             </a:pPr>
             <a:r>
@@ -38787,9 +38762,9 @@
             </a:endParaRPr>
           </a:p>
           <a:p>
-            <a:pPr marL="457200" indent="-317500" defTabSz="457200">
+            <a:pPr marL="527755" indent="-388055" defTabSz="457200">
               <a:lnSpc>
-                <a:spcPts val="2300"/>
+                <a:spcPts val="1700"/>
               </a:lnSpc>
               <a:spcBef>
                 <a:spcPts val="0"/>
@@ -38800,14 +38775,14 @@
               <a:buSzPct val="100000"/>
               <a:buFont typeface="Menlo"/>
               <a:buChar char="•"/>
-              <a:defRPr b="0" sz="900">
-                <a:solidFill>
-                  <a:srgbClr val="333333"/>
-                </a:solidFill>
-                <a:latin typeface="Menlo"/>
-                <a:ea typeface="Menlo"/>
-                <a:cs typeface="Menlo"/>
-                <a:sym typeface="Menlo"/>
+              <a:defRPr b="0" sz="1100">
+                <a:solidFill>
+                  <a:srgbClr val="5C2699"/>
+                </a:solidFill>
+                <a:latin typeface="Arial"/>
+                <a:ea typeface="Arial"/>
+                <a:cs typeface="Arial"/>
+                <a:sym typeface="Arial"/>
               </a:defRPr>
             </a:pPr>
             <a:r>
@@ -38815,9 +38790,9 @@
             </a:r>
           </a:p>
           <a:p>
-            <a:pPr marL="457200" indent="-317500" defTabSz="457200">
+            <a:pPr marL="527755" indent="-388055" defTabSz="457200">
               <a:lnSpc>
-                <a:spcPts val="2300"/>
+                <a:spcPts val="1700"/>
               </a:lnSpc>
               <a:spcBef>
                 <a:spcPts val="0"/>
@@ -38828,14 +38803,14 @@
               <a:buSzPct val="100000"/>
               <a:buFont typeface="Menlo"/>
               <a:buChar char="•"/>
-              <a:defRPr b="0" sz="900">
-                <a:solidFill>
-                  <a:srgbClr val="333333"/>
-                </a:solidFill>
-                <a:latin typeface="Menlo"/>
-                <a:ea typeface="Menlo"/>
-                <a:cs typeface="Menlo"/>
-                <a:sym typeface="Menlo"/>
+              <a:defRPr b="0" sz="1100">
+                <a:solidFill>
+                  <a:srgbClr val="5C2699"/>
+                </a:solidFill>
+                <a:latin typeface="Arial"/>
+                <a:ea typeface="Arial"/>
+                <a:cs typeface="Arial"/>
+                <a:sym typeface="Arial"/>
               </a:defRPr>
             </a:pPr>
             <a:r>
@@ -38864,11 +38839,6 @@
               <a:t>: </a:t>
             </a:r>
             <a:r>
-              <a:rPr>
-                <a:solidFill>
-                  <a:srgbClr val="5C2699"/>
-                </a:solidFill>
-              </a:rPr>
               <a:t>Address</a:t>
             </a:r>
             <a:r>
@@ -38876,9 +38846,9 @@
             </a:r>
           </a:p>
           <a:p>
-            <a:pPr marL="457200" indent="-317500" defTabSz="457200">
+            <a:pPr marL="527755" indent="-388055" defTabSz="457200">
               <a:lnSpc>
-                <a:spcPts val="2300"/>
+                <a:spcPts val="1700"/>
               </a:lnSpc>
               <a:spcBef>
                 <a:spcPts val="0"/>
@@ -38889,14 +38859,14 @@
               <a:buSzPct val="100000"/>
               <a:buFont typeface="Menlo"/>
               <a:buChar char="•"/>
-              <a:defRPr b="0" sz="900">
-                <a:solidFill>
-                  <a:srgbClr val="333333"/>
-                </a:solidFill>
-                <a:latin typeface="Menlo"/>
-                <a:ea typeface="Menlo"/>
-                <a:cs typeface="Menlo"/>
-                <a:sym typeface="Menlo"/>
+              <a:defRPr b="0" sz="1100">
+                <a:solidFill>
+                  <a:srgbClr val="5C2699"/>
+                </a:solidFill>
+                <a:latin typeface="Arial"/>
+                <a:ea typeface="Arial"/>
+                <a:cs typeface="Arial"/>
+                <a:sym typeface="Arial"/>
               </a:defRPr>
             </a:pPr>
             <a:r>
@@ -39049,7 +39019,7 @@
         <p:spPr>
           <a:xfrm>
             <a:off x="647885" y="1129266"/>
-            <a:ext cx="3589175" cy="878841"/>
+            <a:ext cx="3213687" cy="1157366"/>
           </a:xfrm>
           <a:prstGeom prst="rect">
             <a:avLst/>
@@ -39069,9 +39039,9 @@
           </a:bodyPr>
           <a:lstStyle/>
           <a:p>
-            <a:pPr marL="457200" indent="-317500" defTabSz="457200">
+            <a:pPr marL="527755" indent="-388055" defTabSz="457200">
               <a:lnSpc>
-                <a:spcPts val="2300"/>
+                <a:spcPts val="1700"/>
               </a:lnSpc>
               <a:spcBef>
                 <a:spcPts val="0"/>
@@ -39082,14 +39052,14 @@
               <a:buSzPct val="100000"/>
               <a:buFont typeface="Menlo"/>
               <a:buChar char="•"/>
-              <a:defRPr b="0" sz="900">
-                <a:solidFill>
-                  <a:srgbClr val="AA0D91"/>
-                </a:solidFill>
-                <a:latin typeface="Menlo"/>
-                <a:ea typeface="Menlo"/>
-                <a:cs typeface="Menlo"/>
-                <a:sym typeface="Menlo"/>
+              <a:defRPr b="0" sz="1100">
+                <a:solidFill>
+                  <a:srgbClr val="5C2699"/>
+                </a:solidFill>
+                <a:latin typeface="Arial"/>
+                <a:ea typeface="Arial"/>
+                <a:cs typeface="Arial"/>
+                <a:sym typeface="Arial"/>
               </a:defRPr>
             </a:pPr>
             <a:r>
@@ -39126,9 +39096,9 @@
             </a:endParaRPr>
           </a:p>
           <a:p>
-            <a:pPr marL="457200" indent="-317500" defTabSz="457200">
+            <a:pPr marL="527755" indent="-388055" defTabSz="457200">
               <a:lnSpc>
-                <a:spcPts val="2300"/>
+                <a:spcPts val="1700"/>
               </a:lnSpc>
               <a:spcBef>
                 <a:spcPts val="0"/>
@@ -39139,14 +39109,14 @@
               <a:buSzPct val="100000"/>
               <a:buFont typeface="Menlo"/>
               <a:buChar char="•"/>
-              <a:defRPr b="0" sz="900">
-                <a:solidFill>
-                  <a:srgbClr val="333333"/>
-                </a:solidFill>
-                <a:latin typeface="Menlo"/>
-                <a:ea typeface="Menlo"/>
-                <a:cs typeface="Menlo"/>
-                <a:sym typeface="Menlo"/>
+              <a:defRPr b="0" sz="1100">
+                <a:solidFill>
+                  <a:srgbClr val="5C2699"/>
+                </a:solidFill>
+                <a:latin typeface="Arial"/>
+                <a:ea typeface="Arial"/>
+                <a:cs typeface="Arial"/>
+                <a:sym typeface="Arial"/>
               </a:defRPr>
             </a:pPr>
             <a:r>
@@ -39175,18 +39145,13 @@
               <a:t>: </a:t>
             </a:r>
             <a:r>
-              <a:rPr>
-                <a:solidFill>
-                  <a:srgbClr val="5C2699"/>
-                </a:solidFill>
-              </a:rPr>
               <a:t>String</a:t>
             </a:r>
           </a:p>
           <a:p>
-            <a:pPr marL="457200" indent="-317500" defTabSz="457200">
+            <a:pPr marL="527755" indent="-388055" defTabSz="457200">
               <a:lnSpc>
-                <a:spcPts val="2300"/>
+                <a:spcPts val="1700"/>
               </a:lnSpc>
               <a:spcBef>
                 <a:spcPts val="0"/>
@@ -39197,14 +39162,14 @@
               <a:buSzPct val="100000"/>
               <a:buFont typeface="Menlo"/>
               <a:buChar char="•"/>
-              <a:defRPr b="0" sz="900">
-                <a:solidFill>
-                  <a:srgbClr val="333333"/>
-                </a:solidFill>
-                <a:latin typeface="Menlo"/>
-                <a:ea typeface="Menlo"/>
-                <a:cs typeface="Menlo"/>
-                <a:sym typeface="Menlo"/>
+              <a:defRPr b="0" sz="1100">
+                <a:solidFill>
+                  <a:srgbClr val="5C2699"/>
+                </a:solidFill>
+                <a:latin typeface="Arial"/>
+                <a:ea typeface="Arial"/>
+                <a:cs typeface="Arial"/>
+                <a:sym typeface="Arial"/>
               </a:defRPr>
             </a:pPr>
             <a:r>
@@ -39233,11 +39198,6 @@
               <a:t>: </a:t>
             </a:r>
             <a:r>
-              <a:rPr>
-                <a:solidFill>
-                  <a:srgbClr val="5C2699"/>
-                </a:solidFill>
-              </a:rPr>
               <a:t>String</a:t>
             </a:r>
             <a:r>
@@ -39278,9 +39238,9 @@
             </a:r>
           </a:p>
           <a:p>
-            <a:pPr marL="457200" indent="-317500" defTabSz="457200">
+            <a:pPr marL="527755" indent="-388055" defTabSz="457200">
               <a:lnSpc>
-                <a:spcPts val="2300"/>
+                <a:spcPts val="1700"/>
               </a:lnSpc>
               <a:spcBef>
                 <a:spcPts val="0"/>
@@ -39291,14 +39251,14 @@
               <a:buSzPct val="100000"/>
               <a:buFont typeface="Menlo"/>
               <a:buChar char="•"/>
-              <a:defRPr b="0" sz="900">
-                <a:solidFill>
-                  <a:srgbClr val="333333"/>
-                </a:solidFill>
-                <a:latin typeface="Menlo"/>
-                <a:ea typeface="Menlo"/>
-                <a:cs typeface="Menlo"/>
-                <a:sym typeface="Menlo"/>
+              <a:defRPr b="0" sz="1100">
+                <a:solidFill>
+                  <a:srgbClr val="5C2699"/>
+                </a:solidFill>
+                <a:latin typeface="Arial"/>
+                <a:ea typeface="Arial"/>
+                <a:cs typeface="Arial"/>
+                <a:sym typeface="Arial"/>
               </a:defRPr>
             </a:pPr>
             <a:r>
@@ -39315,8 +39275,8 @@
         </p:nvSpPr>
         <p:spPr>
           <a:xfrm>
-            <a:off x="660668" y="2039814"/>
-            <a:ext cx="5378349" cy="2529841"/>
+            <a:off x="4286737" y="1038491"/>
+            <a:ext cx="4592064" cy="3316365"/>
           </a:xfrm>
           <a:prstGeom prst="rect">
             <a:avLst/>
@@ -39336,9 +39296,9 @@
           </a:bodyPr>
           <a:lstStyle/>
           <a:p>
-            <a:pPr marL="457200" indent="-317500" defTabSz="457200">
+            <a:pPr marL="527755" indent="-388055" defTabSz="457200">
               <a:lnSpc>
-                <a:spcPts val="2300"/>
+                <a:spcPts val="1700"/>
               </a:lnSpc>
               <a:spcBef>
                 <a:spcPts val="0"/>
@@ -39349,14 +39309,14 @@
               <a:buSzPct val="100000"/>
               <a:buFont typeface="Menlo"/>
               <a:buChar char="•"/>
-              <a:defRPr b="0" sz="900">
-                <a:solidFill>
-                  <a:srgbClr val="AA0D91"/>
-                </a:solidFill>
-                <a:latin typeface="Menlo"/>
-                <a:ea typeface="Menlo"/>
-                <a:cs typeface="Menlo"/>
-                <a:sym typeface="Menlo"/>
+              <a:defRPr b="0" sz="1100">
+                <a:solidFill>
+                  <a:srgbClr val="5C2699"/>
+                </a:solidFill>
+                <a:latin typeface="Arial"/>
+                <a:ea typeface="Arial"/>
+                <a:cs typeface="Arial"/>
+                <a:sym typeface="Arial"/>
               </a:defRPr>
             </a:pPr>
             <a:r>
@@ -39393,9 +39353,9 @@
             </a:endParaRPr>
           </a:p>
           <a:p>
-            <a:pPr marL="457200" indent="-317500" defTabSz="457200">
+            <a:pPr marL="527755" indent="-388055" defTabSz="457200">
               <a:lnSpc>
-                <a:spcPts val="2300"/>
+                <a:spcPts val="1700"/>
               </a:lnSpc>
               <a:spcBef>
                 <a:spcPts val="0"/>
@@ -39406,14 +39366,14 @@
               <a:buSzPct val="100000"/>
               <a:buFont typeface="Menlo"/>
               <a:buChar char="•"/>
-              <a:defRPr b="0" sz="900">
-                <a:solidFill>
-                  <a:srgbClr val="3F6E74"/>
-                </a:solidFill>
-                <a:latin typeface="Menlo"/>
-                <a:ea typeface="Menlo"/>
-                <a:cs typeface="Menlo"/>
-                <a:sym typeface="Menlo"/>
+              <a:defRPr b="0" sz="1100">
+                <a:solidFill>
+                  <a:srgbClr val="5C2699"/>
+                </a:solidFill>
+                <a:latin typeface="Arial"/>
+                <a:ea typeface="Arial"/>
+                <a:cs typeface="Arial"/>
+                <a:sym typeface="Arial"/>
               </a:defRPr>
             </a:pPr>
             <a:r>
@@ -39452,11 +39412,6 @@
               <a:t>: </a:t>
             </a:r>
             <a:r>
-              <a:rPr>
-                <a:solidFill>
-                  <a:srgbClr val="5C2699"/>
-                </a:solidFill>
-              </a:rPr>
               <a:t>String</a:t>
             </a:r>
             <a:r>
@@ -39474,9 +39429,9 @@
             </a:endParaRPr>
           </a:p>
           <a:p>
-            <a:pPr marL="457200" indent="-317500" defTabSz="457200">
+            <a:pPr marL="527755" indent="-388055" defTabSz="457200">
               <a:lnSpc>
-                <a:spcPts val="2300"/>
+                <a:spcPts val="1700"/>
               </a:lnSpc>
               <a:spcBef>
                 <a:spcPts val="0"/>
@@ -39487,14 +39442,14 @@
               <a:buSzPct val="100000"/>
               <a:buFont typeface="Menlo"/>
               <a:buChar char="•"/>
-              <a:defRPr b="0" sz="900">
-                <a:solidFill>
-                  <a:srgbClr val="3F6E74"/>
-                </a:solidFill>
-                <a:latin typeface="Menlo"/>
-                <a:ea typeface="Menlo"/>
-                <a:cs typeface="Menlo"/>
-                <a:sym typeface="Menlo"/>
+              <a:defRPr b="0" sz="1100">
+                <a:solidFill>
+                  <a:srgbClr val="5C2699"/>
+                </a:solidFill>
+                <a:latin typeface="Arial"/>
+                <a:ea typeface="Arial"/>
+                <a:cs typeface="Arial"/>
+                <a:sym typeface="Arial"/>
               </a:defRPr>
             </a:pPr>
             <a:r>
@@ -39533,11 +39488,6 @@
               <a:t>: </a:t>
             </a:r>
             <a:r>
-              <a:rPr>
-                <a:solidFill>
-                  <a:srgbClr val="5C2699"/>
-                </a:solidFill>
-              </a:rPr>
               <a:t>String</a:t>
             </a:r>
             <a:r>
@@ -39555,9 +39505,9 @@
             </a:endParaRPr>
           </a:p>
           <a:p>
-            <a:pPr marL="457200" indent="-317500" defTabSz="457200">
+            <a:pPr marL="527755" indent="-388055" defTabSz="457200">
               <a:lnSpc>
-                <a:spcPts val="2300"/>
+                <a:spcPts val="1700"/>
               </a:lnSpc>
               <a:spcBef>
                 <a:spcPts val="0"/>
@@ -39568,14 +39518,14 @@
               <a:buSzPct val="100000"/>
               <a:buFont typeface="Menlo"/>
               <a:buChar char="•"/>
-              <a:defRPr b="0" sz="900">
-                <a:solidFill>
-                  <a:srgbClr val="333333"/>
-                </a:solidFill>
-                <a:latin typeface="Menlo"/>
-                <a:ea typeface="Menlo"/>
-                <a:cs typeface="Menlo"/>
-                <a:sym typeface="Menlo"/>
+              <a:defRPr b="0" sz="1100">
+                <a:solidFill>
+                  <a:srgbClr val="5C2699"/>
+                </a:solidFill>
+                <a:latin typeface="Arial"/>
+                <a:ea typeface="Arial"/>
+                <a:cs typeface="Arial"/>
+                <a:sym typeface="Arial"/>
               </a:defRPr>
             </a:pPr>
             <a:r>
@@ -39604,11 +39554,6 @@
               <a:t>: </a:t>
             </a:r>
             <a:r>
-              <a:rPr>
-                <a:solidFill>
-                  <a:srgbClr val="5C2699"/>
-                </a:solidFill>
-              </a:rPr>
               <a:t>String</a:t>
             </a:r>
             <a:r>
@@ -39616,9 +39561,9 @@
             </a:r>
           </a:p>
           <a:p>
-            <a:pPr marL="457200" indent="-317500" defTabSz="457200">
+            <a:pPr marL="527755" indent="-388055" defTabSz="457200">
               <a:lnSpc>
-                <a:spcPts val="2300"/>
+                <a:spcPts val="1700"/>
               </a:lnSpc>
               <a:spcBef>
                 <a:spcPts val="0"/>
@@ -39629,14 +39574,14 @@
               <a:buSzPct val="100000"/>
               <a:buFont typeface="Menlo"/>
               <a:buChar char="•"/>
-              <a:defRPr b="0" sz="900">
-                <a:solidFill>
-                  <a:srgbClr val="3F6E74"/>
-                </a:solidFill>
-                <a:latin typeface="Menlo"/>
-                <a:ea typeface="Menlo"/>
-                <a:cs typeface="Menlo"/>
-                <a:sym typeface="Menlo"/>
+              <a:defRPr b="0" sz="1100">
+                <a:solidFill>
+                  <a:srgbClr val="5C2699"/>
+                </a:solidFill>
+                <a:latin typeface="Arial"/>
+                <a:ea typeface="Arial"/>
+                <a:cs typeface="Arial"/>
+                <a:sym typeface="Arial"/>
               </a:defRPr>
             </a:pPr>
             <a:r>
@@ -39675,11 +39620,6 @@
               <a:t>() -&gt; </a:t>
             </a:r>
             <a:r>
-              <a:rPr>
-                <a:solidFill>
-                  <a:srgbClr val="5C2699"/>
-                </a:solidFill>
-              </a:rPr>
               <a:t>String</a:t>
             </a:r>
             <a:r>
@@ -39697,9 +39637,9 @@
             </a:endParaRPr>
           </a:p>
           <a:p>
-            <a:pPr marL="457200" indent="-317500" defTabSz="457200">
+            <a:pPr marL="527755" indent="-388055" defTabSz="457200">
               <a:lnSpc>
-                <a:spcPts val="2300"/>
+                <a:spcPts val="1700"/>
               </a:lnSpc>
               <a:spcBef>
                 <a:spcPts val="0"/>
@@ -39710,14 +39650,14 @@
               <a:buSzPct val="100000"/>
               <a:buFont typeface="Menlo"/>
               <a:buChar char="•"/>
-              <a:defRPr b="0" sz="900">
-                <a:solidFill>
-                  <a:srgbClr val="3F6E74"/>
-                </a:solidFill>
-                <a:latin typeface="Menlo"/>
-                <a:ea typeface="Menlo"/>
-                <a:cs typeface="Menlo"/>
-                <a:sym typeface="Menlo"/>
+              <a:defRPr b="0" sz="1100">
+                <a:solidFill>
+                  <a:srgbClr val="5C2699"/>
+                </a:solidFill>
+                <a:latin typeface="Arial"/>
+                <a:ea typeface="Arial"/>
+                <a:cs typeface="Arial"/>
+                <a:sym typeface="Arial"/>
               </a:defRPr>
             </a:pPr>
             <a:r>
@@ -39827,9 +39767,9 @@
             </a:endParaRPr>
           </a:p>
           <a:p>
-            <a:pPr marL="457200" indent="-317500" defTabSz="457200">
+            <a:pPr marL="527755" indent="-388055" defTabSz="457200">
               <a:lnSpc>
-                <a:spcPts val="2300"/>
+                <a:spcPts val="1700"/>
               </a:lnSpc>
               <a:spcBef>
                 <a:spcPts val="0"/>
@@ -39840,14 +39780,14 @@
               <a:buSzPct val="100000"/>
               <a:buFont typeface="Menlo"/>
               <a:buChar char="•"/>
-              <a:defRPr b="0" sz="900">
-                <a:solidFill>
-                  <a:srgbClr val="333333"/>
-                </a:solidFill>
-                <a:latin typeface="Menlo"/>
-                <a:ea typeface="Menlo"/>
-                <a:cs typeface="Menlo"/>
-                <a:sym typeface="Menlo"/>
+              <a:defRPr b="0" sz="1100">
+                <a:solidFill>
+                  <a:srgbClr val="5C2699"/>
+                </a:solidFill>
+                <a:latin typeface="Arial"/>
+                <a:ea typeface="Arial"/>
+                <a:cs typeface="Arial"/>
+                <a:sym typeface="Arial"/>
               </a:defRPr>
             </a:pPr>
             <a:r>
@@ -39918,9 +39858,9 @@
             </a:r>
           </a:p>
           <a:p>
-            <a:pPr marL="457200" indent="-317500" defTabSz="457200">
+            <a:pPr marL="527755" indent="-388055" defTabSz="457200">
               <a:lnSpc>
-                <a:spcPts val="2300"/>
+                <a:spcPts val="1700"/>
               </a:lnSpc>
               <a:spcBef>
                 <a:spcPts val="0"/>
@@ -39931,14 +39871,14 @@
               <a:buSzPct val="100000"/>
               <a:buFont typeface="Menlo"/>
               <a:buChar char="•"/>
-              <a:defRPr b="0" sz="900">
-                <a:solidFill>
-                  <a:srgbClr val="333333"/>
-                </a:solidFill>
-                <a:latin typeface="Menlo"/>
-                <a:ea typeface="Menlo"/>
-                <a:cs typeface="Menlo"/>
-                <a:sym typeface="Menlo"/>
+              <a:defRPr b="0" sz="1100">
+                <a:solidFill>
+                  <a:srgbClr val="5C2699"/>
+                </a:solidFill>
+                <a:latin typeface="Arial"/>
+                <a:ea typeface="Arial"/>
+                <a:cs typeface="Arial"/>
+                <a:sym typeface="Arial"/>
               </a:defRPr>
             </a:pPr>
             <a:r>
@@ -39990,9 +39930,9 @@
             </a:r>
           </a:p>
           <a:p>
-            <a:pPr marL="457200" indent="-317500" defTabSz="457200">
+            <a:pPr marL="527755" indent="-388055" defTabSz="457200">
               <a:lnSpc>
-                <a:spcPts val="2300"/>
+                <a:spcPts val="1700"/>
               </a:lnSpc>
               <a:spcBef>
                 <a:spcPts val="0"/>
@@ -40003,14 +39943,14 @@
               <a:buSzPct val="100000"/>
               <a:buFont typeface="Menlo"/>
               <a:buChar char="•"/>
-              <a:defRPr b="0" sz="900">
-                <a:solidFill>
-                  <a:srgbClr val="333333"/>
-                </a:solidFill>
-                <a:latin typeface="Menlo"/>
-                <a:ea typeface="Menlo"/>
-                <a:cs typeface="Menlo"/>
-                <a:sym typeface="Menlo"/>
+              <a:defRPr b="0" sz="1100">
+                <a:solidFill>
+                  <a:srgbClr val="5C2699"/>
+                </a:solidFill>
+                <a:latin typeface="Arial"/>
+                <a:ea typeface="Arial"/>
+                <a:cs typeface="Arial"/>
+                <a:sym typeface="Arial"/>
               </a:defRPr>
             </a:pPr>
             <a:r>
@@ -40037,9 +39977,9 @@
             </a:r>
           </a:p>
           <a:p>
-            <a:pPr marL="457200" indent="-317500" defTabSz="457200">
+            <a:pPr marL="527755" indent="-388055" defTabSz="457200">
               <a:lnSpc>
-                <a:spcPts val="2300"/>
+                <a:spcPts val="1700"/>
               </a:lnSpc>
               <a:spcBef>
                 <a:spcPts val="0"/>
@@ -40050,14 +39990,14 @@
               <a:buSzPct val="100000"/>
               <a:buFont typeface="Menlo"/>
               <a:buChar char="•"/>
-              <a:defRPr b="0" sz="900">
-                <a:solidFill>
-                  <a:srgbClr val="333333"/>
-                </a:solidFill>
-                <a:latin typeface="Menlo"/>
-                <a:ea typeface="Menlo"/>
-                <a:cs typeface="Menlo"/>
-                <a:sym typeface="Menlo"/>
+              <a:defRPr b="0" sz="1100">
+                <a:solidFill>
+                  <a:srgbClr val="5C2699"/>
+                </a:solidFill>
+                <a:latin typeface="Arial"/>
+                <a:ea typeface="Arial"/>
+                <a:cs typeface="Arial"/>
+                <a:sym typeface="Arial"/>
               </a:defRPr>
             </a:pPr>
             <a:r>
@@ -40076,9 +40016,9 @@
             </a:r>
           </a:p>
           <a:p>
-            <a:pPr marL="457200" indent="-317500" defTabSz="457200">
+            <a:pPr marL="527755" indent="-388055" defTabSz="457200">
               <a:lnSpc>
-                <a:spcPts val="2300"/>
+                <a:spcPts val="1700"/>
               </a:lnSpc>
               <a:spcBef>
                 <a:spcPts val="0"/>
@@ -40089,14 +40029,14 @@
               <a:buSzPct val="100000"/>
               <a:buFont typeface="Menlo"/>
               <a:buChar char="•"/>
-              <a:defRPr b="0" sz="900">
-                <a:solidFill>
-                  <a:srgbClr val="333333"/>
-                </a:solidFill>
-                <a:latin typeface="Menlo"/>
-                <a:ea typeface="Menlo"/>
-                <a:cs typeface="Menlo"/>
-                <a:sym typeface="Menlo"/>
+              <a:defRPr b="0" sz="1100">
+                <a:solidFill>
+                  <a:srgbClr val="5C2699"/>
+                </a:solidFill>
+                <a:latin typeface="Arial"/>
+                <a:ea typeface="Arial"/>
+                <a:cs typeface="Arial"/>
+                <a:sym typeface="Arial"/>
               </a:defRPr>
             </a:pPr>
             <a:r>
@@ -40123,9 +40063,9 @@
             </a:r>
           </a:p>
           <a:p>
-            <a:pPr marL="457200" indent="-317500" defTabSz="457200">
+            <a:pPr marL="527755" indent="-388055" defTabSz="457200">
               <a:lnSpc>
-                <a:spcPts val="2300"/>
+                <a:spcPts val="1700"/>
               </a:lnSpc>
               <a:spcBef>
                 <a:spcPts val="0"/>
@@ -40136,14 +40076,14 @@
               <a:buSzPct val="100000"/>
               <a:buFont typeface="Menlo"/>
               <a:buChar char="•"/>
-              <a:defRPr b="0" sz="900">
-                <a:solidFill>
-                  <a:srgbClr val="333333"/>
-                </a:solidFill>
-                <a:latin typeface="Menlo"/>
-                <a:ea typeface="Menlo"/>
-                <a:cs typeface="Menlo"/>
-                <a:sym typeface="Menlo"/>
+              <a:defRPr b="0" sz="1100">
+                <a:solidFill>
+                  <a:srgbClr val="5C2699"/>
+                </a:solidFill>
+                <a:latin typeface="Arial"/>
+                <a:ea typeface="Arial"/>
+                <a:cs typeface="Arial"/>
+                <a:sym typeface="Arial"/>
               </a:defRPr>
             </a:pPr>
             <a:r>
@@ -40151,9 +40091,9 @@
             </a:r>
           </a:p>
           <a:p>
-            <a:pPr marL="457200" indent="-317500" defTabSz="457200">
+            <a:pPr marL="527755" indent="-388055" defTabSz="457200">
               <a:lnSpc>
-                <a:spcPts val="2300"/>
+                <a:spcPts val="1700"/>
               </a:lnSpc>
               <a:spcBef>
                 <a:spcPts val="0"/>
@@ -40164,14 +40104,14 @@
               <a:buSzPct val="100000"/>
               <a:buFont typeface="Menlo"/>
               <a:buChar char="•"/>
-              <a:defRPr b="0" sz="900">
-                <a:solidFill>
-                  <a:srgbClr val="333333"/>
-                </a:solidFill>
-                <a:latin typeface="Menlo"/>
-                <a:ea typeface="Menlo"/>
-                <a:cs typeface="Menlo"/>
-                <a:sym typeface="Menlo"/>
+              <a:defRPr b="0" sz="1100">
+                <a:solidFill>
+                  <a:srgbClr val="5C2699"/>
+                </a:solidFill>
+                <a:latin typeface="Arial"/>
+                <a:ea typeface="Arial"/>
+                <a:cs typeface="Arial"/>
+                <a:sym typeface="Arial"/>
               </a:defRPr>
             </a:pPr>
             <a:r>
@@ -40179,9 +40119,9 @@
             </a:r>
           </a:p>
           <a:p>
-            <a:pPr marL="457200" indent="-317500" defTabSz="457200">
+            <a:pPr marL="527755" indent="-388055" defTabSz="457200">
               <a:lnSpc>
-                <a:spcPts val="2300"/>
+                <a:spcPts val="1700"/>
               </a:lnSpc>
               <a:spcBef>
                 <a:spcPts val="0"/>
@@ -40192,14 +40132,14 @@
               <a:buSzPct val="100000"/>
               <a:buFont typeface="Menlo"/>
               <a:buChar char="•"/>
-              <a:defRPr b="0" sz="900">
-                <a:solidFill>
-                  <a:srgbClr val="333333"/>
-                </a:solidFill>
-                <a:latin typeface="Menlo"/>
-                <a:ea typeface="Menlo"/>
-                <a:cs typeface="Menlo"/>
-                <a:sym typeface="Menlo"/>
+              <a:defRPr b="0" sz="1100">
+                <a:solidFill>
+                  <a:srgbClr val="5C2699"/>
+                </a:solidFill>
+                <a:latin typeface="Arial"/>
+                <a:ea typeface="Arial"/>
+                <a:cs typeface="Arial"/>
+                <a:sym typeface="Arial"/>
               </a:defRPr>
             </a:pPr>
             <a:r>
@@ -40352,7 +40292,7 @@
         <p:spPr>
           <a:xfrm>
             <a:off x="647885" y="1129266"/>
-            <a:ext cx="4414948" cy="1209041"/>
+            <a:ext cx="4018530" cy="1589166"/>
           </a:xfrm>
           <a:prstGeom prst="rect">
             <a:avLst/>
@@ -40372,9 +40312,9 @@
           </a:bodyPr>
           <a:lstStyle/>
           <a:p>
-            <a:pPr marL="457200" indent="-317500" defTabSz="457200">
+            <a:pPr marL="527755" indent="-388055" defTabSz="457200">
               <a:lnSpc>
-                <a:spcPts val="2300"/>
+                <a:spcPts val="1700"/>
               </a:lnSpc>
               <a:spcBef>
                 <a:spcPts val="0"/>
@@ -40385,14 +40325,14 @@
               <a:buSzPct val="100000"/>
               <a:buFont typeface="Menlo"/>
               <a:buChar char="•"/>
-              <a:defRPr b="0" sz="900">
-                <a:solidFill>
-                  <a:srgbClr val="AA0D91"/>
-                </a:solidFill>
-                <a:latin typeface="Menlo"/>
-                <a:ea typeface="Menlo"/>
-                <a:cs typeface="Menlo"/>
-                <a:sym typeface="Menlo"/>
+              <a:defRPr b="0" sz="1100">
+                <a:solidFill>
+                  <a:srgbClr val="5C2699"/>
+                </a:solidFill>
+                <a:latin typeface="Arial"/>
+                <a:ea typeface="Arial"/>
+                <a:cs typeface="Arial"/>
+                <a:sym typeface="Arial"/>
               </a:defRPr>
             </a:pPr>
             <a:r>
@@ -40445,9 +40385,9 @@
             </a:endParaRPr>
           </a:p>
           <a:p>
-            <a:pPr marL="457200" indent="-317500" defTabSz="457200">
+            <a:pPr marL="527755" indent="-388055" defTabSz="457200">
               <a:lnSpc>
-                <a:spcPts val="2300"/>
+                <a:spcPts val="1700"/>
               </a:lnSpc>
               <a:spcBef>
                 <a:spcPts val="0"/>
@@ -40458,14 +40398,14 @@
               <a:buSzPct val="100000"/>
               <a:buFont typeface="Menlo"/>
               <a:buChar char="•"/>
-              <a:defRPr b="0" sz="900">
-                <a:solidFill>
-                  <a:srgbClr val="3F6E74"/>
-                </a:solidFill>
-                <a:latin typeface="Menlo"/>
-                <a:ea typeface="Menlo"/>
-                <a:cs typeface="Menlo"/>
-                <a:sym typeface="Menlo"/>
+              <a:defRPr b="0" sz="1100">
+                <a:solidFill>
+                  <a:srgbClr val="5C2699"/>
+                </a:solidFill>
+                <a:latin typeface="Arial"/>
+                <a:ea typeface="Arial"/>
+                <a:cs typeface="Arial"/>
+                <a:sym typeface="Arial"/>
               </a:defRPr>
             </a:pPr>
             <a:r>
@@ -40551,9 +40491,9 @@
             </a:endParaRPr>
           </a:p>
           <a:p>
-            <a:pPr marL="457200" indent="-317500" defTabSz="457200">
+            <a:pPr marL="527755" indent="-388055" defTabSz="457200">
               <a:lnSpc>
-                <a:spcPts val="2300"/>
+                <a:spcPts val="1700"/>
               </a:lnSpc>
               <a:spcBef>
                 <a:spcPts val="0"/>
@@ -40564,14 +40504,14 @@
               <a:buSzPct val="100000"/>
               <a:buFont typeface="Menlo"/>
               <a:buChar char="•"/>
-              <a:defRPr b="0" sz="900">
-                <a:solidFill>
-                  <a:srgbClr val="C41A16"/>
-                </a:solidFill>
-                <a:latin typeface="Menlo"/>
-                <a:ea typeface="Menlo"/>
-                <a:cs typeface="Menlo"/>
-                <a:sym typeface="Menlo"/>
+              <a:defRPr b="0" sz="1100">
+                <a:solidFill>
+                  <a:srgbClr val="5C2699"/>
+                </a:solidFill>
+                <a:latin typeface="Arial"/>
+                <a:ea typeface="Arial"/>
+                <a:cs typeface="Arial"/>
+                <a:sym typeface="Arial"/>
               </a:defRPr>
             </a:pPr>
             <a:r>
@@ -40643,9 +40583,9 @@
             </a:endParaRPr>
           </a:p>
           <a:p>
-            <a:pPr marL="457200" indent="-317500" defTabSz="457200">
+            <a:pPr marL="527755" indent="-388055" defTabSz="457200">
               <a:lnSpc>
-                <a:spcPts val="2300"/>
+                <a:spcPts val="1700"/>
               </a:lnSpc>
               <a:spcBef>
                 <a:spcPts val="0"/>
@@ -40656,14 +40596,14 @@
               <a:buSzPct val="100000"/>
               <a:buFont typeface="Menlo"/>
               <a:buChar char="•"/>
-              <a:defRPr b="0" sz="900">
-                <a:solidFill>
-                  <a:srgbClr val="333333"/>
-                </a:solidFill>
-                <a:latin typeface="Menlo"/>
-                <a:ea typeface="Menlo"/>
-                <a:cs typeface="Menlo"/>
-                <a:sym typeface="Menlo"/>
+              <a:defRPr b="0" sz="1100">
+                <a:solidFill>
+                  <a:srgbClr val="5C2699"/>
+                </a:solidFill>
+                <a:latin typeface="Arial"/>
+                <a:ea typeface="Arial"/>
+                <a:cs typeface="Arial"/>
+                <a:sym typeface="Arial"/>
               </a:defRPr>
             </a:pPr>
             <a:r>
@@ -40682,9 +40622,9 @@
             </a:r>
           </a:p>
           <a:p>
-            <a:pPr marL="457200" indent="-317500" defTabSz="457200">
+            <a:pPr marL="527755" indent="-388055" defTabSz="457200">
               <a:lnSpc>
-                <a:spcPts val="2300"/>
+                <a:spcPts val="1700"/>
               </a:lnSpc>
               <a:spcBef>
                 <a:spcPts val="0"/>
@@ -40695,14 +40635,14 @@
               <a:buSzPct val="100000"/>
               <a:buFont typeface="Menlo"/>
               <a:buChar char="•"/>
-              <a:defRPr b="0" sz="900">
-                <a:solidFill>
-                  <a:srgbClr val="C41A16"/>
-                </a:solidFill>
-                <a:latin typeface="Menlo"/>
-                <a:ea typeface="Menlo"/>
-                <a:cs typeface="Menlo"/>
-                <a:sym typeface="Menlo"/>
+              <a:defRPr b="0" sz="1100">
+                <a:solidFill>
+                  <a:srgbClr val="5C2699"/>
+                </a:solidFill>
+                <a:latin typeface="Arial"/>
+                <a:ea typeface="Arial"/>
+                <a:cs typeface="Arial"/>
+                <a:sym typeface="Arial"/>
               </a:defRPr>
             </a:pPr>
             <a:r>
@@ -40747,9 +40687,9 @@
             </a:endParaRPr>
           </a:p>
           <a:p>
-            <a:pPr marL="457200" indent="-317500" defTabSz="457200">
+            <a:pPr marL="527755" indent="-388055" defTabSz="457200">
               <a:lnSpc>
-                <a:spcPts val="2300"/>
+                <a:spcPts val="1700"/>
               </a:lnSpc>
               <a:spcBef>
                 <a:spcPts val="0"/>
@@ -40760,14 +40700,14 @@
               <a:buSzPct val="100000"/>
               <a:buFont typeface="Menlo"/>
               <a:buChar char="•"/>
-              <a:defRPr b="0" sz="900">
-                <a:solidFill>
-                  <a:srgbClr val="333333"/>
-                </a:solidFill>
-                <a:latin typeface="Menlo"/>
-                <a:ea typeface="Menlo"/>
-                <a:cs typeface="Menlo"/>
-                <a:sym typeface="Menlo"/>
+              <a:defRPr b="0" sz="1100">
+                <a:solidFill>
+                  <a:srgbClr val="5C2699"/>
+                </a:solidFill>
+                <a:latin typeface="Arial"/>
+                <a:ea typeface="Arial"/>
+                <a:cs typeface="Arial"/>
+                <a:sym typeface="Arial"/>
               </a:defRPr>
             </a:pPr>
             <a:r>
@@ -40775,9 +40715,9 @@
             </a:r>
           </a:p>
           <a:p>
-            <a:pPr marL="457200" indent="-317500" defTabSz="457200">
+            <a:pPr marL="527755" indent="-388055" defTabSz="457200">
               <a:lnSpc>
-                <a:spcPts val="2300"/>
+                <a:spcPts val="1700"/>
               </a:lnSpc>
               <a:spcBef>
                 <a:spcPts val="0"/>
@@ -40788,14 +40728,14 @@
               <a:buSzPct val="100000"/>
               <a:buFont typeface="Menlo"/>
               <a:buChar char="•"/>
-              <a:defRPr b="0" sz="900">
-                <a:solidFill>
-                  <a:srgbClr val="007400"/>
-                </a:solidFill>
-                <a:latin typeface="Menlo"/>
-                <a:ea typeface="Menlo"/>
-                <a:cs typeface="Menlo"/>
-                <a:sym typeface="Menlo"/>
+              <a:defRPr b="0" sz="1100">
+                <a:solidFill>
+                  <a:srgbClr val="5C2699"/>
+                </a:solidFill>
+                <a:latin typeface="Arial"/>
+                <a:ea typeface="Arial"/>
+                <a:cs typeface="Arial"/>
+                <a:sym typeface="Arial"/>
               </a:defRPr>
             </a:pPr>
             <a:r>
@@ -40812,8 +40752,8 @@
         </p:nvSpPr>
         <p:spPr>
           <a:xfrm>
-            <a:off x="647885" y="2857869"/>
-            <a:ext cx="3107474" cy="713741"/>
+            <a:off x="643624" y="2938828"/>
+            <a:ext cx="3167370" cy="941465"/>
           </a:xfrm>
           <a:prstGeom prst="rect">
             <a:avLst/>
@@ -40833,9 +40773,9 @@
           </a:bodyPr>
           <a:lstStyle/>
           <a:p>
-            <a:pPr marL="457200" indent="-317500" defTabSz="457200">
+            <a:pPr marL="527755" indent="-388055" defTabSz="457200">
               <a:lnSpc>
-                <a:spcPts val="2300"/>
+                <a:spcPts val="1700"/>
               </a:lnSpc>
               <a:spcBef>
                 <a:spcPts val="0"/>
@@ -40846,14 +40786,14 @@
               <a:buSzPct val="100000"/>
               <a:buFont typeface="Menlo"/>
               <a:buChar char="•"/>
-              <a:defRPr b="0" sz="900">
-                <a:solidFill>
-                  <a:srgbClr val="3F6E74"/>
-                </a:solidFill>
-                <a:latin typeface="Menlo"/>
-                <a:ea typeface="Menlo"/>
-                <a:cs typeface="Menlo"/>
-                <a:sym typeface="Menlo"/>
+              <a:defRPr b="0" sz="1100">
+                <a:solidFill>
+                  <a:srgbClr val="5C2699"/>
+                </a:solidFill>
+                <a:latin typeface="Arial"/>
+                <a:ea typeface="Arial"/>
+                <a:cs typeface="Arial"/>
+                <a:sym typeface="Arial"/>
               </a:defRPr>
             </a:pPr>
             <a:r>
@@ -40901,9 +40841,9 @@
             </a:endParaRPr>
           </a:p>
           <a:p>
-            <a:pPr marL="457200" indent="-317500" defTabSz="457200">
+            <a:pPr marL="527755" indent="-388055" defTabSz="457200">
               <a:lnSpc>
-                <a:spcPts val="2300"/>
+                <a:spcPts val="1700"/>
               </a:lnSpc>
               <a:spcBef>
                 <a:spcPts val="0"/>
@@ -40914,14 +40854,14 @@
               <a:buSzPct val="100000"/>
               <a:buFont typeface="Menlo"/>
               <a:buChar char="•"/>
-              <a:defRPr b="0" sz="900">
-                <a:solidFill>
-                  <a:srgbClr val="3F6E74"/>
-                </a:solidFill>
-                <a:latin typeface="Menlo"/>
-                <a:ea typeface="Menlo"/>
-                <a:cs typeface="Menlo"/>
-                <a:sym typeface="Menlo"/>
+              <a:defRPr b="0" sz="1100">
+                <a:solidFill>
+                  <a:srgbClr val="5C2699"/>
+                </a:solidFill>
+                <a:latin typeface="Arial"/>
+                <a:ea typeface="Arial"/>
+                <a:cs typeface="Arial"/>
+                <a:sym typeface="Arial"/>
               </a:defRPr>
             </a:pPr>
             <a:r>
@@ -40961,9 +40901,9 @@
             </a:endParaRPr>
           </a:p>
           <a:p>
-            <a:pPr marL="457200" indent="-317500" defTabSz="457200">
+            <a:pPr marL="527755" indent="-388055" defTabSz="457200">
               <a:lnSpc>
-                <a:spcPts val="2300"/>
+                <a:spcPts val="1700"/>
               </a:lnSpc>
               <a:spcBef>
                 <a:spcPts val="0"/>
@@ -40974,14 +40914,14 @@
               <a:buSzPct val="100000"/>
               <a:buFont typeface="Menlo"/>
               <a:buChar char="•"/>
-              <a:defRPr b="0" sz="900">
-                <a:solidFill>
-                  <a:srgbClr val="3F6E74"/>
-                </a:solidFill>
-                <a:latin typeface="Menlo"/>
-                <a:ea typeface="Menlo"/>
-                <a:cs typeface="Menlo"/>
-                <a:sym typeface="Menlo"/>
+              <a:defRPr b="0" sz="1100">
+                <a:solidFill>
+                  <a:srgbClr val="5C2699"/>
+                </a:solidFill>
+                <a:latin typeface="Arial"/>
+                <a:ea typeface="Arial"/>
+                <a:cs typeface="Arial"/>
+                <a:sym typeface="Arial"/>
               </a:defRPr>
             </a:pPr>
             <a:r>
@@ -41021,9 +40961,9 @@
             </a:endParaRPr>
           </a:p>
           <a:p>
-            <a:pPr marL="457200" indent="-317500" defTabSz="457200">
+            <a:pPr marL="527755" indent="-388055" defTabSz="457200">
               <a:lnSpc>
-                <a:spcPts val="2300"/>
+                <a:spcPts val="1700"/>
               </a:lnSpc>
               <a:spcBef>
                 <a:spcPts val="0"/>
@@ -41034,14 +40974,14 @@
               <a:buSzPct val="100000"/>
               <a:buFont typeface="Menlo"/>
               <a:buChar char="•"/>
-              <a:defRPr b="0" sz="900">
-                <a:solidFill>
-                  <a:srgbClr val="3F6E74"/>
-                </a:solidFill>
-                <a:latin typeface="Menlo"/>
-                <a:ea typeface="Menlo"/>
-                <a:cs typeface="Menlo"/>
-                <a:sym typeface="Menlo"/>
+              <a:defRPr b="0" sz="1100">
+                <a:solidFill>
+                  <a:srgbClr val="5C2699"/>
+                </a:solidFill>
+                <a:latin typeface="Arial"/>
+                <a:ea typeface="Arial"/>
+                <a:cs typeface="Arial"/>
+                <a:sym typeface="Arial"/>
               </a:defRPr>
             </a:pPr>
             <a:r>
@@ -41092,7 +41032,7 @@
         <p:spPr>
           <a:xfrm>
             <a:off x="5343453" y="1132131"/>
-            <a:ext cx="3451546" cy="1869441"/>
+            <a:ext cx="3345883" cy="2452765"/>
           </a:xfrm>
           <a:prstGeom prst="rect">
             <a:avLst/>
@@ -41112,9 +41052,9 @@
           </a:bodyPr>
           <a:lstStyle/>
           <a:p>
-            <a:pPr marL="457200" indent="-317500" defTabSz="457200">
+            <a:pPr marL="527755" indent="-388055" defTabSz="457200">
               <a:lnSpc>
-                <a:spcPts val="2300"/>
+                <a:spcPts val="1700"/>
               </a:lnSpc>
               <a:spcBef>
                 <a:spcPts val="0"/>
@@ -41125,14 +41065,14 @@
               <a:buSzPct val="100000"/>
               <a:buFont typeface="Menlo"/>
               <a:buChar char="•"/>
-              <a:defRPr b="0" sz="900">
-                <a:solidFill>
-                  <a:srgbClr val="3F6E74"/>
-                </a:solidFill>
-                <a:latin typeface="Menlo"/>
-                <a:ea typeface="Menlo"/>
-                <a:cs typeface="Menlo"/>
-                <a:sym typeface="Menlo"/>
+              <a:defRPr b="0" sz="1100">
+                <a:solidFill>
+                  <a:srgbClr val="5C2699"/>
+                </a:solidFill>
+                <a:latin typeface="Arial"/>
+                <a:ea typeface="Arial"/>
+                <a:cs typeface="Arial"/>
+                <a:sym typeface="Arial"/>
               </a:defRPr>
             </a:pPr>
             <a:r>
@@ -41163,11 +41103,6 @@
               <a:t>() -&gt; </a:t>
             </a:r>
             <a:r>
-              <a:rPr>
-                <a:solidFill>
-                  <a:srgbClr val="5C2699"/>
-                </a:solidFill>
-              </a:rPr>
               <a:t>Address</a:t>
             </a:r>
             <a:r>
@@ -41185,9 +41120,9 @@
             </a:endParaRPr>
           </a:p>
           <a:p>
-            <a:pPr marL="457200" indent="-317500" defTabSz="457200">
+            <a:pPr marL="527755" indent="-388055" defTabSz="457200">
               <a:lnSpc>
-                <a:spcPts val="2300"/>
+                <a:spcPts val="1700"/>
               </a:lnSpc>
               <a:spcBef>
                 <a:spcPts val="0"/>
@@ -41198,14 +41133,14 @@
               <a:buSzPct val="100000"/>
               <a:buFont typeface="Menlo"/>
               <a:buChar char="•"/>
-              <a:defRPr b="0" sz="900">
-                <a:solidFill>
-                  <a:srgbClr val="C41A16"/>
-                </a:solidFill>
-                <a:latin typeface="Menlo"/>
-                <a:ea typeface="Menlo"/>
-                <a:cs typeface="Menlo"/>
-                <a:sym typeface="Menlo"/>
+              <a:defRPr b="0" sz="1100">
+                <a:solidFill>
+                  <a:srgbClr val="5C2699"/>
+                </a:solidFill>
+                <a:latin typeface="Arial"/>
+                <a:ea typeface="Arial"/>
+                <a:cs typeface="Arial"/>
+                <a:sym typeface="Arial"/>
               </a:defRPr>
             </a:pPr>
             <a:r>
@@ -41250,9 +41185,9 @@
             </a:endParaRPr>
           </a:p>
           <a:p>
-            <a:pPr marL="457200" indent="-317500" defTabSz="457200">
+            <a:pPr marL="527755" indent="-388055" defTabSz="457200">
               <a:lnSpc>
-                <a:spcPts val="2300"/>
+                <a:spcPts val="1700"/>
               </a:lnSpc>
               <a:spcBef>
                 <a:spcPts val="0"/>
@@ -41263,21 +41198,21 @@
               <a:buSzPct val="100000"/>
               <a:buFont typeface="Menlo"/>
               <a:buChar char="•"/>
-              <a:defRPr b="0" sz="900">
-                <a:solidFill>
-                  <a:srgbClr val="333333"/>
-                </a:solidFill>
-                <a:latin typeface="Menlo"/>
-                <a:ea typeface="Menlo"/>
-                <a:cs typeface="Menlo"/>
-                <a:sym typeface="Menlo"/>
+              <a:defRPr b="0" sz="1100">
+                <a:solidFill>
+                  <a:srgbClr val="5C2699"/>
+                </a:solidFill>
+                <a:latin typeface="Arial"/>
+                <a:ea typeface="Arial"/>
+                <a:cs typeface="Arial"/>
+                <a:sym typeface="Arial"/>
               </a:defRPr>
             </a:pPr>
           </a:p>
           <a:p>
-            <a:pPr marL="457200" indent="-317500" defTabSz="457200">
+            <a:pPr marL="527755" indent="-388055" defTabSz="457200">
               <a:lnSpc>
-                <a:spcPts val="2300"/>
+                <a:spcPts val="1700"/>
               </a:lnSpc>
               <a:spcBef>
                 <a:spcPts val="0"/>
@@ -41288,14 +41223,14 @@
               <a:buSzPct val="100000"/>
               <a:buFont typeface="Menlo"/>
               <a:buChar char="•"/>
-              <a:defRPr b="0" sz="900">
-                <a:solidFill>
-                  <a:srgbClr val="3F6E74"/>
-                </a:solidFill>
-                <a:latin typeface="Menlo"/>
-                <a:ea typeface="Menlo"/>
-                <a:cs typeface="Menlo"/>
-                <a:sym typeface="Menlo"/>
+              <a:defRPr b="0" sz="1100">
+                <a:solidFill>
+                  <a:srgbClr val="5C2699"/>
+                </a:solidFill>
+                <a:latin typeface="Arial"/>
+                <a:ea typeface="Arial"/>
+                <a:cs typeface="Arial"/>
+                <a:sym typeface="Arial"/>
               </a:defRPr>
             </a:pPr>
             <a:r>
@@ -41351,9 +41286,9 @@
             </a:endParaRPr>
           </a:p>
           <a:p>
-            <a:pPr marL="457200" indent="-317500" defTabSz="457200">
+            <a:pPr marL="527755" indent="-388055" defTabSz="457200">
               <a:lnSpc>
-                <a:spcPts val="2300"/>
+                <a:spcPts val="1700"/>
               </a:lnSpc>
               <a:spcBef>
                 <a:spcPts val="0"/>
@@ -41364,14 +41299,14 @@
               <a:buSzPct val="100000"/>
               <a:buFont typeface="Menlo"/>
               <a:buChar char="•"/>
-              <a:defRPr b="0" sz="900">
-                <a:solidFill>
-                  <a:srgbClr val="3F6E74"/>
-                </a:solidFill>
-                <a:latin typeface="Menlo"/>
-                <a:ea typeface="Menlo"/>
-                <a:cs typeface="Menlo"/>
-                <a:sym typeface="Menlo"/>
+              <a:defRPr b="0" sz="1100">
+                <a:solidFill>
+                  <a:srgbClr val="5C2699"/>
+                </a:solidFill>
+                <a:latin typeface="Arial"/>
+                <a:ea typeface="Arial"/>
+                <a:cs typeface="Arial"/>
+                <a:sym typeface="Arial"/>
               </a:defRPr>
             </a:pPr>
             <a:r>
@@ -41419,9 +41354,9 @@
             </a:endParaRPr>
           </a:p>
           <a:p>
-            <a:pPr marL="457200" indent="-317500" defTabSz="457200">
+            <a:pPr marL="527755" indent="-388055" defTabSz="457200">
               <a:lnSpc>
-                <a:spcPts val="2300"/>
+                <a:spcPts val="1700"/>
               </a:lnSpc>
               <a:spcBef>
                 <a:spcPts val="0"/>
@@ -41432,14 +41367,14 @@
               <a:buSzPct val="100000"/>
               <a:buFont typeface="Menlo"/>
               <a:buChar char="•"/>
-              <a:defRPr b="0" sz="900">
-                <a:solidFill>
-                  <a:srgbClr val="C41A16"/>
-                </a:solidFill>
-                <a:latin typeface="Menlo"/>
-                <a:ea typeface="Menlo"/>
-                <a:cs typeface="Menlo"/>
-                <a:sym typeface="Menlo"/>
+              <a:defRPr b="0" sz="1100">
+                <a:solidFill>
+                  <a:srgbClr val="5C2699"/>
+                </a:solidFill>
+                <a:latin typeface="Arial"/>
+                <a:ea typeface="Arial"/>
+                <a:cs typeface="Arial"/>
+                <a:sym typeface="Arial"/>
               </a:defRPr>
             </a:pPr>
             <a:r>
@@ -41492,9 +41427,9 @@
             </a:endParaRPr>
           </a:p>
           <a:p>
-            <a:pPr marL="457200" indent="-317500" defTabSz="457200">
+            <a:pPr marL="527755" indent="-388055" defTabSz="457200">
               <a:lnSpc>
-                <a:spcPts val="2300"/>
+                <a:spcPts val="1700"/>
               </a:lnSpc>
               <a:spcBef>
                 <a:spcPts val="0"/>
@@ -41505,21 +41440,21 @@
               <a:buSzPct val="100000"/>
               <a:buFont typeface="Menlo"/>
               <a:buChar char="•"/>
-              <a:defRPr b="0" sz="900">
-                <a:solidFill>
-                  <a:srgbClr val="333333"/>
-                </a:solidFill>
-                <a:latin typeface="Menlo"/>
-                <a:ea typeface="Menlo"/>
-                <a:cs typeface="Menlo"/>
-                <a:sym typeface="Menlo"/>
+              <a:defRPr b="0" sz="1100">
+                <a:solidFill>
+                  <a:srgbClr val="5C2699"/>
+                </a:solidFill>
+                <a:latin typeface="Arial"/>
+                <a:ea typeface="Arial"/>
+                <a:cs typeface="Arial"/>
+                <a:sym typeface="Arial"/>
               </a:defRPr>
             </a:pPr>
           </a:p>
           <a:p>
-            <a:pPr marL="457200" indent="-317500" defTabSz="457200">
+            <a:pPr marL="527755" indent="-388055" defTabSz="457200">
               <a:lnSpc>
-                <a:spcPts val="2300"/>
+                <a:spcPts val="1700"/>
               </a:lnSpc>
               <a:spcBef>
                 <a:spcPts val="0"/>
@@ -41530,14 +41465,14 @@
               <a:buSzPct val="100000"/>
               <a:buFont typeface="Menlo"/>
               <a:buChar char="•"/>
-              <a:defRPr b="0" sz="900">
-                <a:solidFill>
-                  <a:srgbClr val="3F6E74"/>
-                </a:solidFill>
-                <a:latin typeface="Menlo"/>
-                <a:ea typeface="Menlo"/>
-                <a:cs typeface="Menlo"/>
-                <a:sym typeface="Menlo"/>
+              <a:defRPr b="0" sz="1100">
+                <a:solidFill>
+                  <a:srgbClr val="5C2699"/>
+                </a:solidFill>
+                <a:latin typeface="Arial"/>
+                <a:ea typeface="Arial"/>
+                <a:cs typeface="Arial"/>
+                <a:sym typeface="Arial"/>
               </a:defRPr>
             </a:pPr>
             <a:r>
@@ -41574,9 +41509,9 @@
             </a:endParaRPr>
           </a:p>
           <a:p>
-            <a:pPr marL="457200" indent="-317500" defTabSz="457200">
+            <a:pPr marL="527755" indent="-388055" defTabSz="457200">
               <a:lnSpc>
-                <a:spcPts val="2300"/>
+                <a:spcPts val="1700"/>
               </a:lnSpc>
               <a:spcBef>
                 <a:spcPts val="0"/>
@@ -41587,14 +41522,14 @@
               <a:buSzPct val="100000"/>
               <a:buFont typeface="Menlo"/>
               <a:buChar char="•"/>
-              <a:defRPr b="0" sz="900">
-                <a:solidFill>
-                  <a:srgbClr val="333333"/>
-                </a:solidFill>
-                <a:latin typeface="Menlo"/>
-                <a:ea typeface="Menlo"/>
-                <a:cs typeface="Menlo"/>
-                <a:sym typeface="Menlo"/>
+              <a:defRPr b="0" sz="1100">
+                <a:solidFill>
+                  <a:srgbClr val="5C2699"/>
+                </a:solidFill>
+                <a:latin typeface="Arial"/>
+                <a:ea typeface="Arial"/>
+                <a:cs typeface="Arial"/>
+                <a:sym typeface="Arial"/>
               </a:defRPr>
             </a:pPr>
             <a:r>
@@ -41602,9 +41537,9 @@
             </a:r>
           </a:p>
           <a:p>
-            <a:pPr marL="457200" indent="-317500" defTabSz="457200">
+            <a:pPr marL="527755" indent="-388055" defTabSz="457200">
               <a:lnSpc>
-                <a:spcPts val="2300"/>
+                <a:spcPts val="1700"/>
               </a:lnSpc>
               <a:spcBef>
                 <a:spcPts val="0"/>
@@ -41615,14 +41550,14 @@
               <a:buSzPct val="100000"/>
               <a:buFont typeface="Menlo"/>
               <a:buChar char="•"/>
-              <a:defRPr b="0" sz="900">
-                <a:solidFill>
-                  <a:srgbClr val="3F6E74"/>
-                </a:solidFill>
-                <a:latin typeface="Menlo"/>
-                <a:ea typeface="Menlo"/>
-                <a:cs typeface="Menlo"/>
-                <a:sym typeface="Menlo"/>
+              <a:defRPr b="0" sz="1100">
+                <a:solidFill>
+                  <a:srgbClr val="5C2699"/>
+                </a:solidFill>
+                <a:latin typeface="Arial"/>
+                <a:ea typeface="Arial"/>
+                <a:cs typeface="Arial"/>
+                <a:sym typeface="Arial"/>
               </a:defRPr>
             </a:pPr>
             <a:r>
@@ -41821,7 +41756,7 @@
         <p:spPr>
           <a:xfrm>
             <a:off x="664929" y="1125005"/>
-            <a:ext cx="4208505" cy="548641"/>
+            <a:ext cx="3999431" cy="725566"/>
           </a:xfrm>
           <a:prstGeom prst="rect">
             <a:avLst/>
@@ -41841,9 +41776,9 @@
           </a:bodyPr>
           <a:lstStyle/>
           <a:p>
-            <a:pPr marL="457200" indent="-317500" defTabSz="457200">
+            <a:pPr marL="527755" indent="-388055" defTabSz="457200">
               <a:lnSpc>
-                <a:spcPts val="2300"/>
+                <a:spcPts val="1700"/>
               </a:lnSpc>
               <a:spcBef>
                 <a:spcPts val="0"/>
@@ -41854,14 +41789,14 @@
               <a:buSzPct val="100000"/>
               <a:buFont typeface="Menlo"/>
               <a:buChar char="•"/>
-              <a:defRPr b="0" sz="900">
-                <a:solidFill>
-                  <a:srgbClr val="3F6E74"/>
-                </a:solidFill>
-                <a:latin typeface="Menlo"/>
-                <a:ea typeface="Menlo"/>
-                <a:cs typeface="Menlo"/>
-                <a:sym typeface="Menlo"/>
+              <a:defRPr b="0" sz="1100">
+                <a:solidFill>
+                  <a:srgbClr val="5C2699"/>
+                </a:solidFill>
+                <a:latin typeface="Arial"/>
+                <a:ea typeface="Arial"/>
+                <a:cs typeface="Arial"/>
+                <a:sym typeface="Arial"/>
               </a:defRPr>
             </a:pPr>
             <a:r>
@@ -41898,9 +41833,9 @@
             </a:endParaRPr>
           </a:p>
           <a:p>
-            <a:pPr marL="457200" indent="-317500" defTabSz="457200">
+            <a:pPr marL="527755" indent="-388055" defTabSz="457200">
               <a:lnSpc>
-                <a:spcPts val="2300"/>
+                <a:spcPts val="1700"/>
               </a:lnSpc>
               <a:spcBef>
                 <a:spcPts val="0"/>
@@ -41911,14 +41846,14 @@
               <a:buSzPct val="100000"/>
               <a:buFont typeface="Menlo"/>
               <a:buChar char="•"/>
-              <a:defRPr b="0" sz="900">
-                <a:solidFill>
-                  <a:srgbClr val="C41A16"/>
-                </a:solidFill>
-                <a:latin typeface="Menlo"/>
-                <a:ea typeface="Menlo"/>
-                <a:cs typeface="Menlo"/>
-                <a:sym typeface="Menlo"/>
+              <a:defRPr b="0" sz="1100">
+                <a:solidFill>
+                  <a:srgbClr val="5C2699"/>
+                </a:solidFill>
+                <a:latin typeface="Arial"/>
+                <a:ea typeface="Arial"/>
+                <a:cs typeface="Arial"/>
+                <a:sym typeface="Arial"/>
               </a:defRPr>
             </a:pPr>
             <a:r>
@@ -41990,9 +41925,9 @@
             </a:endParaRPr>
           </a:p>
           <a:p>
-            <a:pPr marL="457200" indent="-317500" defTabSz="457200">
+            <a:pPr marL="527755" indent="-388055" defTabSz="457200">
               <a:lnSpc>
-                <a:spcPts val="2300"/>
+                <a:spcPts val="1700"/>
               </a:lnSpc>
               <a:spcBef>
                 <a:spcPts val="0"/>
@@ -42003,14 +41938,14 @@
               <a:buSzPct val="100000"/>
               <a:buFont typeface="Menlo"/>
               <a:buChar char="•"/>
-              <a:defRPr b="0" sz="900">
-                <a:solidFill>
-                  <a:srgbClr val="333333"/>
-                </a:solidFill>
-                <a:latin typeface="Menlo"/>
-                <a:ea typeface="Menlo"/>
-                <a:cs typeface="Menlo"/>
-                <a:sym typeface="Menlo"/>
+              <a:defRPr b="0" sz="1100">
+                <a:solidFill>
+                  <a:srgbClr val="5C2699"/>
+                </a:solidFill>
+                <a:latin typeface="Arial"/>
+                <a:ea typeface="Arial"/>
+                <a:cs typeface="Arial"/>
+                <a:sym typeface="Arial"/>
               </a:defRPr>
             </a:pPr>
             <a:r>
@@ -42027,8 +41962,8 @@
         </p:nvSpPr>
         <p:spPr>
           <a:xfrm>
-            <a:off x="664929" y="2020593"/>
-            <a:ext cx="4896649" cy="1043941"/>
+            <a:off x="664929" y="2067463"/>
+            <a:ext cx="4271668" cy="1373265"/>
           </a:xfrm>
           <a:prstGeom prst="rect">
             <a:avLst/>
@@ -42048,9 +41983,9 @@
           </a:bodyPr>
           <a:lstStyle/>
           <a:p>
-            <a:pPr marL="457200" indent="-317500" defTabSz="457200">
+            <a:pPr marL="527755" indent="-388055" defTabSz="457200">
               <a:lnSpc>
-                <a:spcPts val="2300"/>
+                <a:spcPts val="1700"/>
               </a:lnSpc>
               <a:spcBef>
                 <a:spcPts val="0"/>
@@ -42061,14 +41996,14 @@
               <a:buSzPct val="100000"/>
               <a:buFont typeface="Menlo"/>
               <a:buChar char="•"/>
-              <a:defRPr b="0" sz="900">
-                <a:solidFill>
-                  <a:srgbClr val="3F6E74"/>
-                </a:solidFill>
-                <a:latin typeface="Menlo"/>
-                <a:ea typeface="Menlo"/>
-                <a:cs typeface="Menlo"/>
-                <a:sym typeface="Menlo"/>
+              <a:defRPr b="0" sz="1100">
+                <a:solidFill>
+                  <a:srgbClr val="5C2699"/>
+                </a:solidFill>
+                <a:latin typeface="Arial"/>
+                <a:ea typeface="Arial"/>
+                <a:cs typeface="Arial"/>
+                <a:sym typeface="Arial"/>
               </a:defRPr>
             </a:pPr>
             <a:r>
@@ -42143,9 +42078,9 @@
             </a:endParaRPr>
           </a:p>
           <a:p>
-            <a:pPr marL="457200" indent="-317500" defTabSz="457200">
+            <a:pPr marL="527755" indent="-388055" defTabSz="457200">
               <a:lnSpc>
-                <a:spcPts val="2300"/>
+                <a:spcPts val="1700"/>
               </a:lnSpc>
               <a:spcBef>
                 <a:spcPts val="0"/>
@@ -42156,14 +42091,14 @@
               <a:buSzPct val="100000"/>
               <a:buFont typeface="Menlo"/>
               <a:buChar char="•"/>
-              <a:defRPr b="0" sz="900">
-                <a:solidFill>
-                  <a:srgbClr val="C41A16"/>
-                </a:solidFill>
-                <a:latin typeface="Menlo"/>
-                <a:ea typeface="Menlo"/>
-                <a:cs typeface="Menlo"/>
-                <a:sym typeface="Menlo"/>
+              <a:defRPr b="0" sz="1100">
+                <a:solidFill>
+                  <a:srgbClr val="5C2699"/>
+                </a:solidFill>
+                <a:latin typeface="Arial"/>
+                <a:ea typeface="Arial"/>
+                <a:cs typeface="Arial"/>
+                <a:sym typeface="Arial"/>
               </a:defRPr>
             </a:pPr>
             <a:r>
@@ -42208,9 +42143,9 @@
             </a:endParaRPr>
           </a:p>
           <a:p>
-            <a:pPr marL="457200" indent="-317500" defTabSz="457200">
+            <a:pPr marL="527755" indent="-388055" defTabSz="457200">
               <a:lnSpc>
-                <a:spcPts val="2300"/>
+                <a:spcPts val="1700"/>
               </a:lnSpc>
               <a:spcBef>
                 <a:spcPts val="0"/>
@@ -42221,14 +42156,14 @@
               <a:buSzPct val="100000"/>
               <a:buFont typeface="Menlo"/>
               <a:buChar char="•"/>
-              <a:defRPr b="0" sz="900">
-                <a:solidFill>
-                  <a:srgbClr val="333333"/>
-                </a:solidFill>
-                <a:latin typeface="Menlo"/>
-                <a:ea typeface="Menlo"/>
-                <a:cs typeface="Menlo"/>
-                <a:sym typeface="Menlo"/>
+              <a:defRPr b="0" sz="1100">
+                <a:solidFill>
+                  <a:srgbClr val="5C2699"/>
+                </a:solidFill>
+                <a:latin typeface="Arial"/>
+                <a:ea typeface="Arial"/>
+                <a:cs typeface="Arial"/>
+                <a:sym typeface="Arial"/>
               </a:defRPr>
             </a:pPr>
             <a:r>
@@ -42247,9 +42182,9 @@
             </a:r>
           </a:p>
           <a:p>
-            <a:pPr marL="457200" indent="-317500" defTabSz="457200">
+            <a:pPr marL="527755" indent="-388055" defTabSz="457200">
               <a:lnSpc>
-                <a:spcPts val="2300"/>
+                <a:spcPts val="1700"/>
               </a:lnSpc>
               <a:spcBef>
                 <a:spcPts val="0"/>
@@ -42260,14 +42195,14 @@
               <a:buSzPct val="100000"/>
               <a:buFont typeface="Menlo"/>
               <a:buChar char="•"/>
-              <a:defRPr b="0" sz="900">
-                <a:solidFill>
-                  <a:srgbClr val="C41A16"/>
-                </a:solidFill>
-                <a:latin typeface="Menlo"/>
-                <a:ea typeface="Menlo"/>
-                <a:cs typeface="Menlo"/>
-                <a:sym typeface="Menlo"/>
+              <a:defRPr b="0" sz="1100">
+                <a:solidFill>
+                  <a:srgbClr val="5C2699"/>
+                </a:solidFill>
+                <a:latin typeface="Arial"/>
+                <a:ea typeface="Arial"/>
+                <a:cs typeface="Arial"/>
+                <a:sym typeface="Arial"/>
               </a:defRPr>
             </a:pPr>
             <a:r>
@@ -42312,9 +42247,9 @@
             </a:endParaRPr>
           </a:p>
           <a:p>
-            <a:pPr marL="457200" indent="-317500" defTabSz="457200">
+            <a:pPr marL="527755" indent="-388055" defTabSz="457200">
               <a:lnSpc>
-                <a:spcPts val="2300"/>
+                <a:spcPts val="1700"/>
               </a:lnSpc>
               <a:spcBef>
                 <a:spcPts val="0"/>
@@ -42325,14 +42260,14 @@
               <a:buSzPct val="100000"/>
               <a:buFont typeface="Menlo"/>
               <a:buChar char="•"/>
-              <a:defRPr b="0" sz="900">
-                <a:solidFill>
-                  <a:srgbClr val="333333"/>
-                </a:solidFill>
-                <a:latin typeface="Menlo"/>
-                <a:ea typeface="Menlo"/>
-                <a:cs typeface="Menlo"/>
-                <a:sym typeface="Menlo"/>
+              <a:defRPr b="0" sz="1100">
+                <a:solidFill>
+                  <a:srgbClr val="5C2699"/>
+                </a:solidFill>
+                <a:latin typeface="Arial"/>
+                <a:ea typeface="Arial"/>
+                <a:cs typeface="Arial"/>
+                <a:sym typeface="Arial"/>
               </a:defRPr>
             </a:pPr>
             <a:r>
@@ -42340,9 +42275,9 @@
             </a:r>
           </a:p>
           <a:p>
-            <a:pPr marL="457200" indent="-317500" defTabSz="457200">
+            <a:pPr marL="527755" indent="-388055" defTabSz="457200">
               <a:lnSpc>
-                <a:spcPts val="2300"/>
+                <a:spcPts val="1700"/>
               </a:lnSpc>
               <a:spcBef>
                 <a:spcPts val="0"/>
@@ -42353,14 +42288,14 @@
               <a:buSzPct val="100000"/>
               <a:buFont typeface="Menlo"/>
               <a:buChar char="•"/>
-              <a:defRPr b="0" sz="900">
-                <a:solidFill>
-                  <a:srgbClr val="007400"/>
-                </a:solidFill>
-                <a:latin typeface="Menlo"/>
-                <a:ea typeface="Menlo"/>
-                <a:cs typeface="Menlo"/>
-                <a:sym typeface="Menlo"/>
+              <a:defRPr b="0" sz="1100">
+                <a:solidFill>
+                  <a:srgbClr val="5C2699"/>
+                </a:solidFill>
+                <a:latin typeface="Arial"/>
+                <a:ea typeface="Arial"/>
+                <a:cs typeface="Arial"/>
+                <a:sym typeface="Arial"/>
               </a:defRPr>
             </a:pPr>
             <a:r>
@@ -42377,8 +42312,8 @@
         </p:nvSpPr>
         <p:spPr>
           <a:xfrm>
-            <a:off x="664929" y="3411480"/>
-            <a:ext cx="4208505" cy="1107441"/>
+            <a:off x="660668" y="3563880"/>
+            <a:ext cx="3831150" cy="1373265"/>
           </a:xfrm>
           <a:prstGeom prst="rect">
             <a:avLst/>
@@ -42398,9 +42333,9 @@
           </a:bodyPr>
           <a:lstStyle/>
           <a:p>
-            <a:pPr marL="457200" indent="-317500" defTabSz="457200">
+            <a:pPr marL="527755" indent="-388055" defTabSz="457200">
               <a:lnSpc>
-                <a:spcPts val="2400"/>
+                <a:spcPts val="1700"/>
               </a:lnSpc>
               <a:spcBef>
                 <a:spcPts val="0"/>
@@ -42411,14 +42346,14 @@
               <a:buSzPct val="100000"/>
               <a:buFont typeface="Menlo"/>
               <a:buChar char="•"/>
-              <a:defRPr b="0" sz="900">
-                <a:solidFill>
-                  <a:srgbClr val="3F6E74"/>
-                </a:solidFill>
-                <a:latin typeface="Menlo"/>
-                <a:ea typeface="Menlo"/>
-                <a:cs typeface="Menlo"/>
-                <a:sym typeface="Menlo"/>
+              <a:defRPr b="0" sz="1100">
+                <a:solidFill>
+                  <a:srgbClr val="5C2699"/>
+                </a:solidFill>
+                <a:latin typeface="Arial"/>
+                <a:ea typeface="Arial"/>
+                <a:cs typeface="Arial"/>
+                <a:sym typeface="Arial"/>
               </a:defRPr>
             </a:pPr>
             <a:r>
@@ -42504,9 +42439,9 @@
             </a:endParaRPr>
           </a:p>
           <a:p>
-            <a:pPr marL="457200" indent="-317500" defTabSz="457200">
+            <a:pPr marL="527755" indent="-388055" defTabSz="457200">
               <a:lnSpc>
-                <a:spcPts val="2400"/>
+                <a:spcPts val="1700"/>
               </a:lnSpc>
               <a:spcBef>
                 <a:spcPts val="0"/>
@@ -42517,14 +42452,14 @@
               <a:buSzPct val="100000"/>
               <a:buFont typeface="Menlo"/>
               <a:buChar char="•"/>
-              <a:defRPr b="0" sz="900">
-                <a:solidFill>
-                  <a:srgbClr val="C41A16"/>
-                </a:solidFill>
-                <a:latin typeface="Menlo"/>
-                <a:ea typeface="Menlo"/>
-                <a:cs typeface="Menlo"/>
-                <a:sym typeface="Menlo"/>
+              <a:defRPr b="0" sz="1100">
+                <a:solidFill>
+                  <a:srgbClr val="5C2699"/>
+                </a:solidFill>
+                <a:latin typeface="Arial"/>
+                <a:ea typeface="Arial"/>
+                <a:cs typeface="Arial"/>
+                <a:sym typeface="Arial"/>
               </a:defRPr>
             </a:pPr>
             <a:r>
@@ -42569,9 +42504,9 @@
             </a:endParaRPr>
           </a:p>
           <a:p>
-            <a:pPr marL="457200" indent="-317500" defTabSz="457200">
+            <a:pPr marL="527755" indent="-388055" defTabSz="457200">
               <a:lnSpc>
-                <a:spcPts val="2400"/>
+                <a:spcPts val="1700"/>
               </a:lnSpc>
               <a:spcBef>
                 <a:spcPts val="0"/>
@@ -42582,14 +42517,14 @@
               <a:buSzPct val="100000"/>
               <a:buFont typeface="Menlo"/>
               <a:buChar char="•"/>
-              <a:defRPr b="0" sz="900">
-                <a:solidFill>
-                  <a:srgbClr val="333333"/>
-                </a:solidFill>
-                <a:latin typeface="Menlo"/>
-                <a:ea typeface="Menlo"/>
-                <a:cs typeface="Menlo"/>
-                <a:sym typeface="Menlo"/>
+              <a:defRPr b="0" sz="1100">
+                <a:solidFill>
+                  <a:srgbClr val="5C2699"/>
+                </a:solidFill>
+                <a:latin typeface="Arial"/>
+                <a:ea typeface="Arial"/>
+                <a:cs typeface="Arial"/>
+                <a:sym typeface="Arial"/>
               </a:defRPr>
             </a:pPr>
             <a:r>
@@ -42608,9 +42543,9 @@
             </a:r>
           </a:p>
           <a:p>
-            <a:pPr marL="457200" indent="-317500" defTabSz="457200">
+            <a:pPr marL="527755" indent="-388055" defTabSz="457200">
               <a:lnSpc>
-                <a:spcPts val="2400"/>
+                <a:spcPts val="1700"/>
               </a:lnSpc>
               <a:spcBef>
                 <a:spcPts val="0"/>
@@ -42621,14 +42556,14 @@
               <a:buSzPct val="100000"/>
               <a:buFont typeface="Menlo"/>
               <a:buChar char="•"/>
-              <a:defRPr b="0" sz="900">
-                <a:solidFill>
-                  <a:srgbClr val="C41A16"/>
-                </a:solidFill>
-                <a:latin typeface="Menlo"/>
-                <a:ea typeface="Menlo"/>
-                <a:cs typeface="Menlo"/>
-                <a:sym typeface="Menlo"/>
+              <a:defRPr b="0" sz="1100">
+                <a:solidFill>
+                  <a:srgbClr val="5C2699"/>
+                </a:solidFill>
+                <a:latin typeface="Arial"/>
+                <a:ea typeface="Arial"/>
+                <a:cs typeface="Arial"/>
+                <a:sym typeface="Arial"/>
               </a:defRPr>
             </a:pPr>
             <a:r>
@@ -42673,9 +42608,9 @@
             </a:endParaRPr>
           </a:p>
           <a:p>
-            <a:pPr marL="457200" indent="-317500" defTabSz="457200">
+            <a:pPr marL="527755" indent="-388055" defTabSz="457200">
               <a:lnSpc>
-                <a:spcPts val="2400"/>
+                <a:spcPts val="1700"/>
               </a:lnSpc>
               <a:spcBef>
                 <a:spcPts val="0"/>
@@ -42686,14 +42621,14 @@
               <a:buSzPct val="100000"/>
               <a:buFont typeface="Menlo"/>
               <a:buChar char="•"/>
-              <a:defRPr b="0" sz="900">
-                <a:solidFill>
-                  <a:srgbClr val="333333"/>
-                </a:solidFill>
-                <a:latin typeface="Menlo"/>
-                <a:ea typeface="Menlo"/>
-                <a:cs typeface="Menlo"/>
-                <a:sym typeface="Menlo"/>
+              <a:defRPr b="0" sz="1100">
+                <a:solidFill>
+                  <a:srgbClr val="5C2699"/>
+                </a:solidFill>
+                <a:latin typeface="Arial"/>
+                <a:ea typeface="Arial"/>
+                <a:cs typeface="Arial"/>
+                <a:sym typeface="Arial"/>
               </a:defRPr>
             </a:pPr>
             <a:r>
@@ -42701,9 +42636,9 @@
             </a:r>
           </a:p>
           <a:p>
-            <a:pPr marL="457200" indent="-317500" defTabSz="457200">
+            <a:pPr marL="527755" indent="-388055" defTabSz="457200">
               <a:lnSpc>
-                <a:spcPts val="2400"/>
+                <a:spcPts val="1700"/>
               </a:lnSpc>
               <a:spcBef>
                 <a:spcPts val="0"/>
@@ -42714,14 +42649,14 @@
               <a:buSzPct val="100000"/>
               <a:buFont typeface="Menlo"/>
               <a:buChar char="•"/>
-              <a:defRPr b="0" sz="900">
-                <a:solidFill>
-                  <a:srgbClr val="007400"/>
-                </a:solidFill>
-                <a:latin typeface="Menlo"/>
-                <a:ea typeface="Menlo"/>
-                <a:cs typeface="Menlo"/>
-                <a:sym typeface="Menlo"/>
+              <a:defRPr b="0" sz="1100">
+                <a:solidFill>
+                  <a:srgbClr val="5C2699"/>
+                </a:solidFill>
+                <a:latin typeface="Arial"/>
+                <a:ea typeface="Arial"/>
+                <a:cs typeface="Arial"/>
+                <a:sym typeface="Arial"/>
               </a:defRPr>
             </a:pPr>
             <a:r>
@@ -42874,7 +42809,7 @@
         <p:spPr>
           <a:xfrm>
             <a:off x="664929" y="1125005"/>
-            <a:ext cx="4277319" cy="1043941"/>
+            <a:ext cx="3859390" cy="1373266"/>
           </a:xfrm>
           <a:prstGeom prst="rect">
             <a:avLst/>
@@ -42894,9 +42829,9 @@
           </a:bodyPr>
           <a:lstStyle/>
           <a:p>
-            <a:pPr marL="457200" indent="-317500" defTabSz="457200">
+            <a:pPr marL="527755" indent="-388055" defTabSz="457200">
               <a:lnSpc>
-                <a:spcPts val="2300"/>
+                <a:spcPts val="1700"/>
               </a:lnSpc>
               <a:spcBef>
                 <a:spcPts val="0"/>
@@ -42907,14 +42842,14 @@
               <a:buSzPct val="100000"/>
               <a:buFont typeface="Menlo"/>
               <a:buChar char="•"/>
-              <a:defRPr b="0" sz="900">
-                <a:solidFill>
-                  <a:srgbClr val="3F6E74"/>
-                </a:solidFill>
-                <a:latin typeface="Menlo"/>
-                <a:ea typeface="Menlo"/>
-                <a:cs typeface="Menlo"/>
-                <a:sym typeface="Menlo"/>
+              <a:defRPr b="0" sz="1100">
+                <a:solidFill>
+                  <a:srgbClr val="5C2699"/>
+                </a:solidFill>
+                <a:latin typeface="Arial"/>
+                <a:ea typeface="Arial"/>
+                <a:cs typeface="Arial"/>
+                <a:sym typeface="Arial"/>
               </a:defRPr>
             </a:pPr>
             <a:r>
@@ -43016,9 +42951,9 @@
             </a:endParaRPr>
           </a:p>
           <a:p>
-            <a:pPr marL="457200" indent="-317500" defTabSz="457200">
+            <a:pPr marL="527755" indent="-388055" defTabSz="457200">
               <a:lnSpc>
-                <a:spcPts val="2300"/>
+                <a:spcPts val="1700"/>
               </a:lnSpc>
               <a:spcBef>
                 <a:spcPts val="0"/>
@@ -43029,14 +42964,14 @@
               <a:buSzPct val="100000"/>
               <a:buFont typeface="Menlo"/>
               <a:buChar char="•"/>
-              <a:defRPr b="0" sz="900">
-                <a:solidFill>
-                  <a:srgbClr val="C41A16"/>
-                </a:solidFill>
-                <a:latin typeface="Menlo"/>
-                <a:ea typeface="Menlo"/>
-                <a:cs typeface="Menlo"/>
-                <a:sym typeface="Menlo"/>
+              <a:defRPr b="0" sz="1100">
+                <a:solidFill>
+                  <a:srgbClr val="5C2699"/>
+                </a:solidFill>
+                <a:latin typeface="Arial"/>
+                <a:ea typeface="Arial"/>
+                <a:cs typeface="Arial"/>
+                <a:sym typeface="Arial"/>
               </a:defRPr>
             </a:pPr>
             <a:r>
@@ -43108,9 +43043,9 @@
             </a:endParaRPr>
           </a:p>
           <a:p>
-            <a:pPr marL="457200" indent="-317500" defTabSz="457200">
+            <a:pPr marL="527755" indent="-388055" defTabSz="457200">
               <a:lnSpc>
-                <a:spcPts val="2300"/>
+                <a:spcPts val="1700"/>
               </a:lnSpc>
               <a:spcBef>
                 <a:spcPts val="0"/>
@@ -43121,14 +43056,14 @@
               <a:buSzPct val="100000"/>
               <a:buFont typeface="Menlo"/>
               <a:buChar char="•"/>
-              <a:defRPr b="0" sz="900">
-                <a:solidFill>
-                  <a:srgbClr val="333333"/>
-                </a:solidFill>
-                <a:latin typeface="Menlo"/>
-                <a:ea typeface="Menlo"/>
-                <a:cs typeface="Menlo"/>
-                <a:sym typeface="Menlo"/>
+              <a:defRPr b="0" sz="1100">
+                <a:solidFill>
+                  <a:srgbClr val="5C2699"/>
+                </a:solidFill>
+                <a:latin typeface="Arial"/>
+                <a:ea typeface="Arial"/>
+                <a:cs typeface="Arial"/>
+                <a:sym typeface="Arial"/>
               </a:defRPr>
             </a:pPr>
             <a:r>
@@ -43147,9 +43082,9 @@
             </a:r>
           </a:p>
           <a:p>
-            <a:pPr marL="457200" indent="-317500" defTabSz="457200">
+            <a:pPr marL="527755" indent="-388055" defTabSz="457200">
               <a:lnSpc>
-                <a:spcPts val="2300"/>
+                <a:spcPts val="1700"/>
               </a:lnSpc>
               <a:spcBef>
                 <a:spcPts val="0"/>
@@ -43160,14 +43095,14 @@
               <a:buSzPct val="100000"/>
               <a:buFont typeface="Menlo"/>
               <a:buChar char="•"/>
-              <a:defRPr b="0" sz="900">
-                <a:solidFill>
-                  <a:srgbClr val="C41A16"/>
-                </a:solidFill>
-                <a:latin typeface="Menlo"/>
-                <a:ea typeface="Menlo"/>
-                <a:cs typeface="Menlo"/>
-                <a:sym typeface="Menlo"/>
+              <a:defRPr b="0" sz="1100">
+                <a:solidFill>
+                  <a:srgbClr val="5C2699"/>
+                </a:solidFill>
+                <a:latin typeface="Arial"/>
+                <a:ea typeface="Arial"/>
+                <a:cs typeface="Arial"/>
+                <a:sym typeface="Arial"/>
               </a:defRPr>
             </a:pPr>
             <a:r>
@@ -43212,9 +43147,9 @@
             </a:endParaRPr>
           </a:p>
           <a:p>
-            <a:pPr marL="457200" indent="-317500" defTabSz="457200">
+            <a:pPr marL="527755" indent="-388055" defTabSz="457200">
               <a:lnSpc>
-                <a:spcPts val="2300"/>
+                <a:spcPts val="1700"/>
               </a:lnSpc>
               <a:spcBef>
                 <a:spcPts val="0"/>
@@ -43225,14 +43160,14 @@
               <a:buSzPct val="100000"/>
               <a:buFont typeface="Menlo"/>
               <a:buChar char="•"/>
-              <a:defRPr b="0" sz="900">
-                <a:solidFill>
-                  <a:srgbClr val="333333"/>
-                </a:solidFill>
-                <a:latin typeface="Menlo"/>
-                <a:ea typeface="Menlo"/>
-                <a:cs typeface="Menlo"/>
-                <a:sym typeface="Menlo"/>
+              <a:defRPr b="0" sz="1100">
+                <a:solidFill>
+                  <a:srgbClr val="5C2699"/>
+                </a:solidFill>
+                <a:latin typeface="Arial"/>
+                <a:ea typeface="Arial"/>
+                <a:cs typeface="Arial"/>
+                <a:sym typeface="Arial"/>
               </a:defRPr>
             </a:pPr>
             <a:r>
@@ -43240,9 +43175,9 @@
             </a:r>
           </a:p>
           <a:p>
-            <a:pPr marL="457200" indent="-317500" defTabSz="457200">
+            <a:pPr marL="527755" indent="-388055" defTabSz="457200">
               <a:lnSpc>
-                <a:spcPts val="2300"/>
+                <a:spcPts val="1700"/>
               </a:lnSpc>
               <a:spcBef>
                 <a:spcPts val="0"/>
@@ -43253,14 +43188,14 @@
               <a:buSzPct val="100000"/>
               <a:buFont typeface="Menlo"/>
               <a:buChar char="•"/>
-              <a:defRPr b="0" sz="900">
-                <a:solidFill>
-                  <a:srgbClr val="007400"/>
-                </a:solidFill>
-                <a:latin typeface="Menlo"/>
-                <a:ea typeface="Menlo"/>
-                <a:cs typeface="Menlo"/>
-                <a:sym typeface="Menlo"/>
+              <a:defRPr b="0" sz="1100">
+                <a:solidFill>
+                  <a:srgbClr val="5C2699"/>
+                </a:solidFill>
+                <a:latin typeface="Arial"/>
+                <a:ea typeface="Arial"/>
+                <a:cs typeface="Arial"/>
+                <a:sym typeface="Arial"/>
               </a:defRPr>
             </a:pPr>
             <a:r>
@@ -43277,8 +43212,8 @@
         </p:nvSpPr>
         <p:spPr>
           <a:xfrm>
-            <a:off x="664929" y="2685106"/>
-            <a:ext cx="4277319" cy="1996441"/>
+            <a:off x="4734137" y="1125598"/>
+            <a:ext cx="4201886" cy="2452766"/>
           </a:xfrm>
           <a:prstGeom prst="rect">
             <a:avLst/>
@@ -43298,9 +43233,9 @@
           </a:bodyPr>
           <a:lstStyle/>
           <a:p>
-            <a:pPr marL="457200" indent="-317500" defTabSz="457200">
+            <a:pPr marL="527755" indent="-388055" defTabSz="457200">
               <a:lnSpc>
-                <a:spcPts val="2400"/>
+                <a:spcPts val="1700"/>
               </a:lnSpc>
               <a:spcBef>
                 <a:spcPts val="0"/>
@@ -43311,14 +43246,14 @@
               <a:buSzPct val="100000"/>
               <a:buFont typeface="Menlo"/>
               <a:buChar char="•"/>
-              <a:defRPr b="0" sz="900">
-                <a:solidFill>
-                  <a:srgbClr val="3F6E74"/>
-                </a:solidFill>
-                <a:latin typeface="Menlo"/>
-                <a:ea typeface="Menlo"/>
-                <a:cs typeface="Menlo"/>
-                <a:sym typeface="Menlo"/>
+              <a:defRPr b="0" sz="1100">
+                <a:solidFill>
+                  <a:srgbClr val="5C2699"/>
+                </a:solidFill>
+                <a:latin typeface="Arial"/>
+                <a:ea typeface="Arial"/>
+                <a:cs typeface="Arial"/>
+                <a:sym typeface="Arial"/>
               </a:defRPr>
             </a:pPr>
             <a:r>
@@ -43366,9 +43301,9 @@
             </a:endParaRPr>
           </a:p>
           <a:p>
-            <a:pPr marL="457200" indent="-317500" defTabSz="457200">
+            <a:pPr marL="527755" indent="-388055" defTabSz="457200">
               <a:lnSpc>
-                <a:spcPts val="2400"/>
+                <a:spcPts val="1700"/>
               </a:lnSpc>
               <a:spcBef>
                 <a:spcPts val="0"/>
@@ -43379,14 +43314,14 @@
               <a:buSzPct val="100000"/>
               <a:buFont typeface="Menlo"/>
               <a:buChar char="•"/>
-              <a:defRPr b="0" sz="900">
-                <a:solidFill>
-                  <a:srgbClr val="3F6E74"/>
-                </a:solidFill>
-                <a:latin typeface="Menlo"/>
-                <a:ea typeface="Menlo"/>
-                <a:cs typeface="Menlo"/>
-                <a:sym typeface="Menlo"/>
+              <a:defRPr b="0" sz="1100">
+                <a:solidFill>
+                  <a:srgbClr val="5C2699"/>
+                </a:solidFill>
+                <a:latin typeface="Arial"/>
+                <a:ea typeface="Arial"/>
+                <a:cs typeface="Arial"/>
+                <a:sym typeface="Arial"/>
               </a:defRPr>
             </a:pPr>
             <a:r>
@@ -43467,9 +43402,9 @@
             </a:endParaRPr>
           </a:p>
           <a:p>
-            <a:pPr marL="457200" indent="-317500" defTabSz="457200">
+            <a:pPr marL="527755" indent="-388055" defTabSz="457200">
               <a:lnSpc>
-                <a:spcPts val="2400"/>
+                <a:spcPts val="1700"/>
               </a:lnSpc>
               <a:spcBef>
                 <a:spcPts val="0"/>
@@ -43480,14 +43415,14 @@
               <a:buSzPct val="100000"/>
               <a:buFont typeface="Menlo"/>
               <a:buChar char="•"/>
-              <a:defRPr b="0" sz="900">
-                <a:solidFill>
-                  <a:srgbClr val="3F6E74"/>
-                </a:solidFill>
-                <a:latin typeface="Menlo"/>
-                <a:ea typeface="Menlo"/>
-                <a:cs typeface="Menlo"/>
-                <a:sym typeface="Menlo"/>
+              <a:defRPr b="0" sz="1100">
+                <a:solidFill>
+                  <a:srgbClr val="5C2699"/>
+                </a:solidFill>
+                <a:latin typeface="Arial"/>
+                <a:ea typeface="Arial"/>
+                <a:cs typeface="Arial"/>
+                <a:sym typeface="Arial"/>
               </a:defRPr>
             </a:pPr>
             <a:r>
@@ -43568,9 +43503,9 @@
             </a:endParaRPr>
           </a:p>
           <a:p>
-            <a:pPr marL="457200" indent="-317500" defTabSz="457200">
+            <a:pPr marL="527755" indent="-388055" defTabSz="457200">
               <a:lnSpc>
-                <a:spcPts val="2400"/>
+                <a:spcPts val="1700"/>
               </a:lnSpc>
               <a:spcBef>
                 <a:spcPts val="0"/>
@@ -43581,14 +43516,14 @@
               <a:buSzPct val="100000"/>
               <a:buFont typeface="Menlo"/>
               <a:buChar char="•"/>
-              <a:defRPr b="0" sz="900">
-                <a:solidFill>
-                  <a:srgbClr val="3F6E74"/>
-                </a:solidFill>
-                <a:latin typeface="Menlo"/>
-                <a:ea typeface="Menlo"/>
-                <a:cs typeface="Menlo"/>
-                <a:sym typeface="Menlo"/>
+              <a:defRPr b="0" sz="1100">
+                <a:solidFill>
+                  <a:srgbClr val="5C2699"/>
+                </a:solidFill>
+                <a:latin typeface="Arial"/>
+                <a:ea typeface="Arial"/>
+                <a:cs typeface="Arial"/>
+                <a:sym typeface="Arial"/>
               </a:defRPr>
             </a:pPr>
             <a:r>
@@ -43623,9 +43558,9 @@
             </a:endParaRPr>
           </a:p>
           <a:p>
-            <a:pPr marL="457200" indent="-317500" defTabSz="457200">
+            <a:pPr marL="527755" indent="-388055" defTabSz="457200">
               <a:lnSpc>
-                <a:spcPts val="2400"/>
+                <a:spcPts val="1700"/>
               </a:lnSpc>
               <a:spcBef>
                 <a:spcPts val="0"/>
@@ -43636,21 +43571,21 @@
               <a:buSzPct val="100000"/>
               <a:buFont typeface="Menlo"/>
               <a:buChar char="•"/>
-              <a:defRPr b="0" sz="900">
-                <a:solidFill>
-                  <a:srgbClr val="333333"/>
-                </a:solidFill>
-                <a:latin typeface="Menlo"/>
-                <a:ea typeface="Menlo"/>
-                <a:cs typeface="Menlo"/>
-                <a:sym typeface="Menlo"/>
+              <a:defRPr b="0" sz="1100">
+                <a:solidFill>
+                  <a:srgbClr val="5C2699"/>
+                </a:solidFill>
+                <a:latin typeface="Arial"/>
+                <a:ea typeface="Arial"/>
+                <a:cs typeface="Arial"/>
+                <a:sym typeface="Arial"/>
               </a:defRPr>
             </a:pPr>
           </a:p>
           <a:p>
-            <a:pPr marL="457200" indent="-317500" defTabSz="457200">
+            <a:pPr marL="527755" indent="-388055" defTabSz="457200">
               <a:lnSpc>
-                <a:spcPts val="2400"/>
+                <a:spcPts val="1700"/>
               </a:lnSpc>
               <a:spcBef>
                 <a:spcPts val="0"/>
@@ -43661,14 +43596,14 @@
               <a:buSzPct val="100000"/>
               <a:buFont typeface="Menlo"/>
               <a:buChar char="•"/>
-              <a:defRPr b="0" sz="900">
-                <a:solidFill>
-                  <a:srgbClr val="3F6E74"/>
-                </a:solidFill>
-                <a:latin typeface="Menlo"/>
-                <a:ea typeface="Menlo"/>
-                <a:cs typeface="Menlo"/>
-                <a:sym typeface="Menlo"/>
+              <a:defRPr b="0" sz="1100">
+                <a:solidFill>
+                  <a:srgbClr val="5C2699"/>
+                </a:solidFill>
+                <a:latin typeface="Arial"/>
+                <a:ea typeface="Arial"/>
+                <a:cs typeface="Arial"/>
+                <a:sym typeface="Arial"/>
               </a:defRPr>
             </a:pPr>
             <a:r>
@@ -43770,9 +43705,9 @@
             </a:endParaRPr>
           </a:p>
           <a:p>
-            <a:pPr marL="457200" indent="-317500" defTabSz="457200">
+            <a:pPr marL="527755" indent="-388055" defTabSz="457200">
               <a:lnSpc>
-                <a:spcPts val="2400"/>
+                <a:spcPts val="1700"/>
               </a:lnSpc>
               <a:spcBef>
                 <a:spcPts val="0"/>
@@ -43783,14 +43718,14 @@
               <a:buSzPct val="100000"/>
               <a:buFont typeface="Menlo"/>
               <a:buChar char="•"/>
-              <a:defRPr b="0" sz="900">
-                <a:solidFill>
-                  <a:srgbClr val="C41A16"/>
-                </a:solidFill>
-                <a:latin typeface="Menlo"/>
-                <a:ea typeface="Menlo"/>
-                <a:cs typeface="Menlo"/>
-                <a:sym typeface="Menlo"/>
+              <a:defRPr b="0" sz="1100">
+                <a:solidFill>
+                  <a:srgbClr val="5C2699"/>
+                </a:solidFill>
+                <a:latin typeface="Arial"/>
+                <a:ea typeface="Arial"/>
+                <a:cs typeface="Arial"/>
+                <a:sym typeface="Arial"/>
               </a:defRPr>
             </a:pPr>
             <a:r>
@@ -43862,9 +43797,9 @@
             </a:endParaRPr>
           </a:p>
           <a:p>
-            <a:pPr marL="457200" indent="-317500" defTabSz="457200">
+            <a:pPr marL="527755" indent="-388055" defTabSz="457200">
               <a:lnSpc>
-                <a:spcPts val="2400"/>
+                <a:spcPts val="1700"/>
               </a:lnSpc>
               <a:spcBef>
                 <a:spcPts val="0"/>
@@ -43875,14 +43810,14 @@
               <a:buSzPct val="100000"/>
               <a:buFont typeface="Menlo"/>
               <a:buChar char="•"/>
-              <a:defRPr b="0" sz="900">
-                <a:solidFill>
-                  <a:srgbClr val="333333"/>
-                </a:solidFill>
-                <a:latin typeface="Menlo"/>
-                <a:ea typeface="Menlo"/>
-                <a:cs typeface="Menlo"/>
-                <a:sym typeface="Menlo"/>
+              <a:defRPr b="0" sz="1100">
+                <a:solidFill>
+                  <a:srgbClr val="5C2699"/>
+                </a:solidFill>
+                <a:latin typeface="Arial"/>
+                <a:ea typeface="Arial"/>
+                <a:cs typeface="Arial"/>
+                <a:sym typeface="Arial"/>
               </a:defRPr>
             </a:pPr>
             <a:r>
@@ -43901,9 +43836,9 @@
             </a:r>
           </a:p>
           <a:p>
-            <a:pPr marL="457200" indent="-317500" defTabSz="457200">
+            <a:pPr marL="527755" indent="-388055" defTabSz="457200">
               <a:lnSpc>
-                <a:spcPts val="2400"/>
+                <a:spcPts val="1700"/>
               </a:lnSpc>
               <a:spcBef>
                 <a:spcPts val="0"/>
@@ -43914,14 +43849,14 @@
               <a:buSzPct val="100000"/>
               <a:buFont typeface="Menlo"/>
               <a:buChar char="•"/>
-              <a:defRPr b="0" sz="900">
-                <a:solidFill>
-                  <a:srgbClr val="C41A16"/>
-                </a:solidFill>
-                <a:latin typeface="Menlo"/>
-                <a:ea typeface="Menlo"/>
-                <a:cs typeface="Menlo"/>
-                <a:sym typeface="Menlo"/>
+              <a:defRPr b="0" sz="1100">
+                <a:solidFill>
+                  <a:srgbClr val="5C2699"/>
+                </a:solidFill>
+                <a:latin typeface="Arial"/>
+                <a:ea typeface="Arial"/>
+                <a:cs typeface="Arial"/>
+                <a:sym typeface="Arial"/>
               </a:defRPr>
             </a:pPr>
             <a:r>
@@ -43966,9 +43901,9 @@
             </a:endParaRPr>
           </a:p>
           <a:p>
-            <a:pPr marL="457200" indent="-317500" defTabSz="457200">
+            <a:pPr marL="527755" indent="-388055" defTabSz="457200">
               <a:lnSpc>
-                <a:spcPts val="2400"/>
+                <a:spcPts val="1700"/>
               </a:lnSpc>
               <a:spcBef>
                 <a:spcPts val="0"/>
@@ -43979,14 +43914,14 @@
               <a:buSzPct val="100000"/>
               <a:buFont typeface="Menlo"/>
               <a:buChar char="•"/>
-              <a:defRPr b="0" sz="900">
-                <a:solidFill>
-                  <a:srgbClr val="333333"/>
-                </a:solidFill>
-                <a:latin typeface="Menlo"/>
-                <a:ea typeface="Menlo"/>
-                <a:cs typeface="Menlo"/>
-                <a:sym typeface="Menlo"/>
+              <a:defRPr b="0" sz="1100">
+                <a:solidFill>
+                  <a:srgbClr val="5C2699"/>
+                </a:solidFill>
+                <a:latin typeface="Arial"/>
+                <a:ea typeface="Arial"/>
+                <a:cs typeface="Arial"/>
+                <a:sym typeface="Arial"/>
               </a:defRPr>
             </a:pPr>
             <a:r>
@@ -43994,9 +43929,9 @@
             </a:r>
           </a:p>
           <a:p>
-            <a:pPr marL="457200" indent="-317500" defTabSz="457200">
+            <a:pPr marL="527755" indent="-388055" defTabSz="457200">
               <a:lnSpc>
-                <a:spcPts val="2400"/>
+                <a:spcPts val="1700"/>
               </a:lnSpc>
               <a:spcBef>
                 <a:spcPts val="0"/>
@@ -44007,14 +43942,14 @@
               <a:buSzPct val="100000"/>
               <a:buFont typeface="Menlo"/>
               <a:buChar char="•"/>
-              <a:defRPr b="0" sz="900">
-                <a:solidFill>
-                  <a:srgbClr val="007400"/>
-                </a:solidFill>
-                <a:latin typeface="Menlo"/>
-                <a:ea typeface="Menlo"/>
-                <a:cs typeface="Menlo"/>
-                <a:sym typeface="Menlo"/>
+              <a:defRPr b="0" sz="1100">
+                <a:solidFill>
+                  <a:srgbClr val="5C2699"/>
+                </a:solidFill>
+                <a:latin typeface="Arial"/>
+                <a:ea typeface="Arial"/>
+                <a:cs typeface="Arial"/>
+                <a:sym typeface="Arial"/>
               </a:defRPr>
             </a:pPr>
             <a:r>
@@ -44031,8 +43966,8 @@
         </p:nvSpPr>
         <p:spPr>
           <a:xfrm>
-            <a:off x="673451" y="2317806"/>
-            <a:ext cx="3520360" cy="218441"/>
+            <a:off x="664929" y="2424867"/>
+            <a:ext cx="3530399" cy="293766"/>
           </a:xfrm>
           <a:prstGeom prst="rect">
             <a:avLst/>
@@ -44052,9 +43987,9 @@
           </a:bodyPr>
           <a:lstStyle/>
           <a:p>
-            <a:pPr marL="457200" indent="-317500" defTabSz="457200">
+            <a:pPr marL="527755" indent="-388055" defTabSz="457200">
               <a:lnSpc>
-                <a:spcPts val="2300"/>
+                <a:spcPts val="1700"/>
               </a:lnSpc>
               <a:spcBef>
                 <a:spcPts val="0"/>
@@ -44065,14 +44000,14 @@
               <a:buSzPct val="100000"/>
               <a:buFont typeface="Menlo"/>
               <a:buChar char="•"/>
-              <a:defRPr b="0" sz="900">
-                <a:solidFill>
-                  <a:srgbClr val="3F6E74"/>
-                </a:solidFill>
-                <a:latin typeface="Menlo"/>
-                <a:ea typeface="Menlo"/>
-                <a:cs typeface="Menlo"/>
-                <a:sym typeface="Menlo"/>
+              <a:defRPr b="0" sz="1100">
+                <a:solidFill>
+                  <a:srgbClr val="5C2699"/>
+                </a:solidFill>
+                <a:latin typeface="Arial"/>
+                <a:ea typeface="Arial"/>
+                <a:cs typeface="Arial"/>
+                <a:sym typeface="Arial"/>
               </a:defRPr>
             </a:pPr>
             <a:r>
